--- a/Presentaties_versie_d/02 - Structuur.pptx
+++ b/Presentaties_versie_d/02 - Structuur.pptx
@@ -5,18 +5,22 @@
     <p:sldMasterId id="2147483660" r:id="rId1"/>
   </p:sldMasterIdLst>
   <p:notesMasterIdLst>
-    <p:notesMasterId r:id="rId11"/>
+    <p:notesMasterId r:id="rId15"/>
   </p:notesMasterIdLst>
   <p:sldIdLst>
     <p:sldId id="256" r:id="rId2"/>
     <p:sldId id="257" r:id="rId3"/>
-    <p:sldId id="258" r:id="rId4"/>
-    <p:sldId id="271" r:id="rId5"/>
-    <p:sldId id="272" r:id="rId6"/>
-    <p:sldId id="273" r:id="rId7"/>
-    <p:sldId id="274" r:id="rId8"/>
-    <p:sldId id="275" r:id="rId9"/>
-    <p:sldId id="270" r:id="rId10"/>
+    <p:sldId id="277" r:id="rId4"/>
+    <p:sldId id="258" r:id="rId5"/>
+    <p:sldId id="271" r:id="rId6"/>
+    <p:sldId id="272" r:id="rId7"/>
+    <p:sldId id="276" r:id="rId8"/>
+    <p:sldId id="273" r:id="rId9"/>
+    <p:sldId id="279" r:id="rId10"/>
+    <p:sldId id="274" r:id="rId11"/>
+    <p:sldId id="281" r:id="rId12"/>
+    <p:sldId id="275" r:id="rId13"/>
+    <p:sldId id="270" r:id="rId14"/>
   </p:sldIdLst>
   <p:sldSz cx="12192000" cy="6858000"/>
   <p:notesSz cx="6858000" cy="9144000"/>
@@ -126,9 +130,7 @@
 <file path=ppt/revisionInfo.xml><?xml version="1.0" encoding="utf-8"?>
 <p1510:revInfo xmlns:a="http://schemas.openxmlformats.org/drawingml/2006/main" xmlns:r="http://schemas.openxmlformats.org/officeDocument/2006/relationships" xmlns:p1510="http://schemas.microsoft.com/office/powerpoint/2015/10/main">
   <p1510:revLst>
-    <p1510:client id="{2186643C-DB26-4019-9494-1F001C07D11F}" v="7" dt="2025-09-05T06:44:28.805"/>
-    <p1510:client id="{4541D688-726A-4C4C-BDC1-716377E99758}" v="16" dt="2025-09-05T07:04:15.464"/>
-    <p1510:client id="{50CBEB6C-8F96-4749-96F1-4CC5A2A7C5AC}" v="46" dt="2025-09-05T06:55:18.514"/>
+    <p1510:client id="{4541D688-726A-4C4C-BDC1-716377E99758}" v="23" dt="2025-09-16T08:20:25.223"/>
   </p1510:revLst>
 </p1510:revInfo>
 </file>
@@ -138,7 +140,7 @@
   <pc:docChgLst>
     <pc:chgData name="Dragan Javorac" userId="913c2858-fb97-4c6e-a42c-b1f1a16b225e" providerId="ADAL" clId="{BC00D9DF-F858-4149-8B7B-F211D448CEDA}"/>
     <pc:docChg chg="undo custSel addSld delSld modSld sldOrd">
-      <pc:chgData name="Dragan Javorac" userId="913c2858-fb97-4c6e-a42c-b1f1a16b225e" providerId="ADAL" clId="{BC00D9DF-F858-4149-8B7B-F211D448CEDA}" dt="2025-09-05T07:05:29.123" v="1863" actId="1076"/>
+      <pc:chgData name="Dragan Javorac" userId="913c2858-fb97-4c6e-a42c-b1f1a16b225e" providerId="ADAL" clId="{BC00D9DF-F858-4149-8B7B-F211D448CEDA}" dt="2025-09-16T09:30:36.525" v="2368" actId="20577"/>
       <pc:docMkLst>
         <pc:docMk/>
       </pc:docMkLst>
@@ -158,13 +160,13 @@
         </pc:spChg>
       </pc:sldChg>
       <pc:sldChg chg="modSp mod">
-        <pc:chgData name="Dragan Javorac" userId="913c2858-fb97-4c6e-a42c-b1f1a16b225e" providerId="ADAL" clId="{BC00D9DF-F858-4149-8B7B-F211D448CEDA}" dt="2025-09-05T06:58:16.505" v="1228"/>
+        <pc:chgData name="Dragan Javorac" userId="913c2858-fb97-4c6e-a42c-b1f1a16b225e" providerId="ADAL" clId="{BC00D9DF-F858-4149-8B7B-F211D448CEDA}" dt="2025-09-16T08:15:42.388" v="2049" actId="20577"/>
         <pc:sldMkLst>
           <pc:docMk/>
           <pc:sldMk cId="3642134840" sldId="257"/>
         </pc:sldMkLst>
         <pc:spChg chg="mod">
-          <ac:chgData name="Dragan Javorac" userId="913c2858-fb97-4c6e-a42c-b1f1a16b225e" providerId="ADAL" clId="{BC00D9DF-F858-4149-8B7B-F211D448CEDA}" dt="2025-09-05T06:58:16.505" v="1228"/>
+          <ac:chgData name="Dragan Javorac" userId="913c2858-fb97-4c6e-a42c-b1f1a16b225e" providerId="ADAL" clId="{BC00D9DF-F858-4149-8B7B-F211D448CEDA}" dt="2025-09-16T08:15:42.388" v="2049" actId="20577"/>
           <ac:spMkLst>
             <pc:docMk/>
             <pc:sldMk cId="3642134840" sldId="257"/>
@@ -173,7 +175,7 @@
         </pc:spChg>
       </pc:sldChg>
       <pc:sldChg chg="addSp delSp modSp mod">
-        <pc:chgData name="Dragan Javorac" userId="913c2858-fb97-4c6e-a42c-b1f1a16b225e" providerId="ADAL" clId="{BC00D9DF-F858-4149-8B7B-F211D448CEDA}" dt="2025-09-05T06:58:36.180" v="1236"/>
+        <pc:chgData name="Dragan Javorac" userId="913c2858-fb97-4c6e-a42c-b1f1a16b225e" providerId="ADAL" clId="{BC00D9DF-F858-4149-8B7B-F211D448CEDA}" dt="2025-09-16T08:20:11.401" v="2276" actId="21"/>
         <pc:sldMkLst>
           <pc:docMk/>
           <pc:sldMk cId="2280464665" sldId="258"/>
@@ -187,37 +189,13 @@
           </ac:spMkLst>
         </pc:spChg>
         <pc:spChg chg="mod">
-          <ac:chgData name="Dragan Javorac" userId="913c2858-fb97-4c6e-a42c-b1f1a16b225e" providerId="ADAL" clId="{BC00D9DF-F858-4149-8B7B-F211D448CEDA}" dt="2025-09-05T06:58:36.180" v="1236"/>
+          <ac:chgData name="Dragan Javorac" userId="913c2858-fb97-4c6e-a42c-b1f1a16b225e" providerId="ADAL" clId="{BC00D9DF-F858-4149-8B7B-F211D448CEDA}" dt="2025-09-16T08:20:11.401" v="2276" actId="21"/>
           <ac:spMkLst>
             <pc:docMk/>
             <pc:sldMk cId="2280464665" sldId="258"/>
             <ac:spMk id="3" creationId="{05011CCB-3AFB-CD11-528F-D68CF1C187F1}"/>
           </ac:spMkLst>
         </pc:spChg>
-        <pc:picChg chg="add del mod">
-          <ac:chgData name="Dragan Javorac" userId="913c2858-fb97-4c6e-a42c-b1f1a16b225e" providerId="ADAL" clId="{BC00D9DF-F858-4149-8B7B-F211D448CEDA}" dt="2025-09-05T06:58:24.870" v="1231" actId="478"/>
-          <ac:picMkLst>
-            <pc:docMk/>
-            <pc:sldMk cId="2280464665" sldId="258"/>
-            <ac:picMk id="5" creationId="{88BC752A-CA04-45FD-4FE9-567D3E75C623}"/>
-          </ac:picMkLst>
-        </pc:picChg>
-        <pc:picChg chg="del">
-          <ac:chgData name="Dragan Javorac" userId="913c2858-fb97-4c6e-a42c-b1f1a16b225e" providerId="ADAL" clId="{BC00D9DF-F858-4149-8B7B-F211D448CEDA}" dt="2025-09-05T06:47:02.424" v="457" actId="478"/>
-          <ac:picMkLst>
-            <pc:docMk/>
-            <pc:sldMk cId="2280464665" sldId="258"/>
-            <ac:picMk id="7" creationId="{2A1572E7-B2CF-2738-C348-F31EEA22732A}"/>
-          </ac:picMkLst>
-        </pc:picChg>
-        <pc:picChg chg="del">
-          <ac:chgData name="Dragan Javorac" userId="913c2858-fb97-4c6e-a42c-b1f1a16b225e" providerId="ADAL" clId="{BC00D9DF-F858-4149-8B7B-F211D448CEDA}" dt="2025-09-05T06:47:02.784" v="458" actId="478"/>
-          <ac:picMkLst>
-            <pc:docMk/>
-            <pc:sldMk cId="2280464665" sldId="258"/>
-            <ac:picMk id="9" creationId="{D2FBECDB-2327-CCB1-7313-46FB37BABF1A}"/>
-          </ac:picMkLst>
-        </pc:picChg>
       </pc:sldChg>
       <pc:sldChg chg="del">
         <pc:chgData name="Dragan Javorac" userId="913c2858-fb97-4c6e-a42c-b1f1a16b225e" providerId="ADAL" clId="{BC00D9DF-F858-4149-8B7B-F211D448CEDA}" dt="2025-09-05T06:46:31.475" v="449" actId="47"/>
@@ -274,22 +252,6 @@
           <pc:docMk/>
           <pc:sldMk cId="2396596277" sldId="266"/>
         </pc:sldMkLst>
-        <pc:spChg chg="mod">
-          <ac:chgData name="Dragan Javorac" userId="913c2858-fb97-4c6e-a42c-b1f1a16b225e" providerId="ADAL" clId="{BC00D9DF-F858-4149-8B7B-F211D448CEDA}" dt="2025-09-05T06:39:38.351" v="11" actId="20577"/>
-          <ac:spMkLst>
-            <pc:docMk/>
-            <pc:sldMk cId="2396596277" sldId="266"/>
-            <ac:spMk id="2" creationId="{5356DF29-4B91-0209-FE02-BCD4BF808F03}"/>
-          </ac:spMkLst>
-        </pc:spChg>
-        <pc:spChg chg="mod">
-          <ac:chgData name="Dragan Javorac" userId="913c2858-fb97-4c6e-a42c-b1f1a16b225e" providerId="ADAL" clId="{BC00D9DF-F858-4149-8B7B-F211D448CEDA}" dt="2025-09-05T06:40:07.795" v="20" actId="27636"/>
-          <ac:spMkLst>
-            <pc:docMk/>
-            <pc:sldMk cId="2396596277" sldId="266"/>
-            <ac:spMk id="3" creationId="{8FC4C594-4FD4-0520-C006-57D59B045432}"/>
-          </ac:spMkLst>
-        </pc:spChg>
       </pc:sldChg>
       <pc:sldChg chg="addSp modSp add del mod">
         <pc:chgData name="Dragan Javorac" userId="913c2858-fb97-4c6e-a42c-b1f1a16b225e" providerId="ADAL" clId="{BC00D9DF-F858-4149-8B7B-F211D448CEDA}" dt="2025-09-05T06:46:31.475" v="449" actId="47"/>
@@ -297,38 +259,6 @@
           <pc:docMk/>
           <pc:sldMk cId="3422021876" sldId="267"/>
         </pc:sldMkLst>
-        <pc:spChg chg="mod">
-          <ac:chgData name="Dragan Javorac" userId="913c2858-fb97-4c6e-a42c-b1f1a16b225e" providerId="ADAL" clId="{BC00D9DF-F858-4149-8B7B-F211D448CEDA}" dt="2025-09-05T06:40:39.958" v="31" actId="20577"/>
-          <ac:spMkLst>
-            <pc:docMk/>
-            <pc:sldMk cId="3422021876" sldId="267"/>
-            <ac:spMk id="2" creationId="{81882167-530F-47C8-7889-C8003E178D7F}"/>
-          </ac:spMkLst>
-        </pc:spChg>
-        <pc:spChg chg="mod">
-          <ac:chgData name="Dragan Javorac" userId="913c2858-fb97-4c6e-a42c-b1f1a16b225e" providerId="ADAL" clId="{BC00D9DF-F858-4149-8B7B-F211D448CEDA}" dt="2025-09-05T06:41:26.174" v="185" actId="20577"/>
-          <ac:spMkLst>
-            <pc:docMk/>
-            <pc:sldMk cId="3422021876" sldId="267"/>
-            <ac:spMk id="3" creationId="{7A1CA399-FC12-F16D-A81E-2CF8AE8D540C}"/>
-          </ac:spMkLst>
-        </pc:spChg>
-        <pc:picChg chg="add mod">
-          <ac:chgData name="Dragan Javorac" userId="913c2858-fb97-4c6e-a42c-b1f1a16b225e" providerId="ADAL" clId="{BC00D9DF-F858-4149-8B7B-F211D448CEDA}" dt="2025-09-05T06:41:39.666" v="190" actId="1076"/>
-          <ac:picMkLst>
-            <pc:docMk/>
-            <pc:sldMk cId="3422021876" sldId="267"/>
-            <ac:picMk id="5" creationId="{6FED2826-279A-230F-099A-64ABD7B9A08C}"/>
-          </ac:picMkLst>
-        </pc:picChg>
-        <pc:picChg chg="add mod">
-          <ac:chgData name="Dragan Javorac" userId="913c2858-fb97-4c6e-a42c-b1f1a16b225e" providerId="ADAL" clId="{BC00D9DF-F858-4149-8B7B-F211D448CEDA}" dt="2025-09-05T06:41:38.404" v="189" actId="1076"/>
-          <ac:picMkLst>
-            <pc:docMk/>
-            <pc:sldMk cId="3422021876" sldId="267"/>
-            <ac:picMk id="7" creationId="{B630E49F-3B8B-4397-E787-30378C85BB0F}"/>
-          </ac:picMkLst>
-        </pc:picChg>
       </pc:sldChg>
       <pc:sldChg chg="addSp delSp modSp add del mod">
         <pc:chgData name="Dragan Javorac" userId="913c2858-fb97-4c6e-a42c-b1f1a16b225e" providerId="ADAL" clId="{BC00D9DF-F858-4149-8B7B-F211D448CEDA}" dt="2025-09-05T06:46:31.475" v="449" actId="47"/>
@@ -336,46 +266,6 @@
           <pc:docMk/>
           <pc:sldMk cId="1854490597" sldId="268"/>
         </pc:sldMkLst>
-        <pc:spChg chg="mod">
-          <ac:chgData name="Dragan Javorac" userId="913c2858-fb97-4c6e-a42c-b1f1a16b225e" providerId="ADAL" clId="{BC00D9DF-F858-4149-8B7B-F211D448CEDA}" dt="2025-09-05T06:41:52.164" v="195" actId="20577"/>
-          <ac:spMkLst>
-            <pc:docMk/>
-            <pc:sldMk cId="1854490597" sldId="268"/>
-            <ac:spMk id="2" creationId="{8A026CCB-5FE5-F04C-7A4B-D034485D1603}"/>
-          </ac:spMkLst>
-        </pc:spChg>
-        <pc:spChg chg="mod">
-          <ac:chgData name="Dragan Javorac" userId="913c2858-fb97-4c6e-a42c-b1f1a16b225e" providerId="ADAL" clId="{BC00D9DF-F858-4149-8B7B-F211D448CEDA}" dt="2025-09-05T06:44:18.814" v="395" actId="20577"/>
-          <ac:spMkLst>
-            <pc:docMk/>
-            <pc:sldMk cId="1854490597" sldId="268"/>
-            <ac:spMk id="3" creationId="{E6E8C246-D95D-4297-8E51-B50B43F9054E}"/>
-          </ac:spMkLst>
-        </pc:spChg>
-        <pc:picChg chg="del">
-          <ac:chgData name="Dragan Javorac" userId="913c2858-fb97-4c6e-a42c-b1f1a16b225e" providerId="ADAL" clId="{BC00D9DF-F858-4149-8B7B-F211D448CEDA}" dt="2025-09-05T06:42:28.910" v="197" actId="478"/>
-          <ac:picMkLst>
-            <pc:docMk/>
-            <pc:sldMk cId="1854490597" sldId="268"/>
-            <ac:picMk id="5" creationId="{90D0E7FD-8496-F067-80EC-65B3729DBA1D}"/>
-          </ac:picMkLst>
-        </pc:picChg>
-        <pc:picChg chg="add mod">
-          <ac:chgData name="Dragan Javorac" userId="913c2858-fb97-4c6e-a42c-b1f1a16b225e" providerId="ADAL" clId="{BC00D9DF-F858-4149-8B7B-F211D448CEDA}" dt="2025-09-05T06:43:44.885" v="304" actId="1076"/>
-          <ac:picMkLst>
-            <pc:docMk/>
-            <pc:sldMk cId="1854490597" sldId="268"/>
-            <ac:picMk id="6" creationId="{A5C420C5-7851-3403-CABC-A1A70BF17D3F}"/>
-          </ac:picMkLst>
-        </pc:picChg>
-        <pc:picChg chg="del">
-          <ac:chgData name="Dragan Javorac" userId="913c2858-fb97-4c6e-a42c-b1f1a16b225e" providerId="ADAL" clId="{BC00D9DF-F858-4149-8B7B-F211D448CEDA}" dt="2025-09-05T06:42:31.118" v="198" actId="478"/>
-          <ac:picMkLst>
-            <pc:docMk/>
-            <pc:sldMk cId="1854490597" sldId="268"/>
-            <ac:picMk id="7" creationId="{9F6DD71E-7ADA-1F3E-58C8-5BA3D2DD2162}"/>
-          </ac:picMkLst>
-        </pc:picChg>
       </pc:sldChg>
       <pc:sldChg chg="modSp add del mod">
         <pc:chgData name="Dragan Javorac" userId="913c2858-fb97-4c6e-a42c-b1f1a16b225e" providerId="ADAL" clId="{BC00D9DF-F858-4149-8B7B-F211D448CEDA}" dt="2025-09-05T06:46:31.475" v="449" actId="47"/>
@@ -383,22 +273,6 @@
           <pc:docMk/>
           <pc:sldMk cId="1115742647" sldId="269"/>
         </pc:sldMkLst>
-        <pc:spChg chg="mod">
-          <ac:chgData name="Dragan Javorac" userId="913c2858-fb97-4c6e-a42c-b1f1a16b225e" providerId="ADAL" clId="{BC00D9DF-F858-4149-8B7B-F211D448CEDA}" dt="2025-09-05T06:44:22.898" v="397" actId="6549"/>
-          <ac:spMkLst>
-            <pc:docMk/>
-            <pc:sldMk cId="1115742647" sldId="269"/>
-            <ac:spMk id="3" creationId="{4AF55B0B-9808-FF68-7438-316A00867CFB}"/>
-          </ac:spMkLst>
-        </pc:spChg>
-        <pc:picChg chg="mod">
-          <ac:chgData name="Dragan Javorac" userId="913c2858-fb97-4c6e-a42c-b1f1a16b225e" providerId="ADAL" clId="{BC00D9DF-F858-4149-8B7B-F211D448CEDA}" dt="2025-09-05T06:44:25.754" v="399" actId="14100"/>
-          <ac:picMkLst>
-            <pc:docMk/>
-            <pc:sldMk cId="1115742647" sldId="269"/>
-            <ac:picMk id="6" creationId="{B38577CC-4C55-BB32-6190-E79B0D7EEE04}"/>
-          </ac:picMkLst>
-        </pc:picChg>
       </pc:sldChg>
       <pc:sldChg chg="addSp delSp modSp add mod">
         <pc:chgData name="Dragan Javorac" userId="913c2858-fb97-4c6e-a42c-b1f1a16b225e" providerId="ADAL" clId="{BC00D9DF-F858-4149-8B7B-F211D448CEDA}" dt="2025-09-05T06:58:11.334" v="1227" actId="1076"/>
@@ -414,14 +288,6 @@
             <ac:spMk id="2" creationId="{51538BC6-F696-0411-4467-D11545529E2E}"/>
           </ac:spMkLst>
         </pc:spChg>
-        <pc:spChg chg="del">
-          <ac:chgData name="Dragan Javorac" userId="913c2858-fb97-4c6e-a42c-b1f1a16b225e" providerId="ADAL" clId="{BC00D9DF-F858-4149-8B7B-F211D448CEDA}" dt="2025-09-05T06:44:45.984" v="412" actId="478"/>
-          <ac:spMkLst>
-            <pc:docMk/>
-            <pc:sldMk cId="2731957848" sldId="270"/>
-            <ac:spMk id="3" creationId="{15433AC2-3906-54C6-CF69-6D0F76B30D58}"/>
-          </ac:spMkLst>
-        </pc:spChg>
         <pc:spChg chg="add mod">
           <ac:chgData name="Dragan Javorac" userId="913c2858-fb97-4c6e-a42c-b1f1a16b225e" providerId="ADAL" clId="{BC00D9DF-F858-4149-8B7B-F211D448CEDA}" dt="2025-09-05T06:46:23.494" v="446" actId="20577"/>
           <ac:spMkLst>
@@ -430,22 +296,6 @@
             <ac:spMk id="6" creationId="{3FB6157F-F1DE-45DD-9A4F-84158AA78187}"/>
           </ac:spMkLst>
         </pc:spChg>
-        <pc:picChg chg="add del mod modCrop">
-          <ac:chgData name="Dragan Javorac" userId="913c2858-fb97-4c6e-a42c-b1f1a16b225e" providerId="ADAL" clId="{BC00D9DF-F858-4149-8B7B-F211D448CEDA}" dt="2025-09-05T06:58:09.364" v="1225" actId="478"/>
-          <ac:picMkLst>
-            <pc:docMk/>
-            <pc:sldMk cId="2731957848" sldId="270"/>
-            <ac:picMk id="4" creationId="{2FCFE164-4701-78D8-2D11-0A243D1D7634}"/>
-          </ac:picMkLst>
-        </pc:picChg>
-        <pc:picChg chg="add del mod">
-          <ac:chgData name="Dragan Javorac" userId="913c2858-fb97-4c6e-a42c-b1f1a16b225e" providerId="ADAL" clId="{BC00D9DF-F858-4149-8B7B-F211D448CEDA}" dt="2025-09-05T06:45:29.486" v="416" actId="478"/>
-          <ac:picMkLst>
-            <pc:docMk/>
-            <pc:sldMk cId="2731957848" sldId="270"/>
-            <ac:picMk id="5" creationId="{37E660A7-5C41-AF58-172F-D4F753D8CCA3}"/>
-          </ac:picMkLst>
-        </pc:picChg>
         <pc:picChg chg="add mod">
           <ac:chgData name="Dragan Javorac" userId="913c2858-fb97-4c6e-a42c-b1f1a16b225e" providerId="ADAL" clId="{BC00D9DF-F858-4149-8B7B-F211D448CEDA}" dt="2025-09-05T06:58:11.334" v="1227" actId="1076"/>
           <ac:picMkLst>
@@ -454,25 +304,9 @@
             <ac:picMk id="5" creationId="{EF19B939-BD27-ED13-833E-7BE7CE82A5F1}"/>
           </ac:picMkLst>
         </pc:picChg>
-        <pc:picChg chg="del">
-          <ac:chgData name="Dragan Javorac" userId="913c2858-fb97-4c6e-a42c-b1f1a16b225e" providerId="ADAL" clId="{BC00D9DF-F858-4149-8B7B-F211D448CEDA}" dt="2025-09-05T06:44:46.494" v="413" actId="478"/>
-          <ac:picMkLst>
-            <pc:docMk/>
-            <pc:sldMk cId="2731957848" sldId="270"/>
-            <ac:picMk id="6" creationId="{FB9AFF44-4D6D-165F-0C63-9B197EB28897}"/>
-          </ac:picMkLst>
-        </pc:picChg>
-        <pc:picChg chg="add del mod modCrop">
-          <ac:chgData name="Dragan Javorac" userId="913c2858-fb97-4c6e-a42c-b1f1a16b225e" providerId="ADAL" clId="{BC00D9DF-F858-4149-8B7B-F211D448CEDA}" dt="2025-09-05T06:58:08.961" v="1224" actId="478"/>
-          <ac:picMkLst>
-            <pc:docMk/>
-            <pc:sldMk cId="2731957848" sldId="270"/>
-            <ac:picMk id="8" creationId="{B690ED16-035A-06B3-2CDB-1F368869563D}"/>
-          </ac:picMkLst>
-        </pc:picChg>
       </pc:sldChg>
       <pc:sldChg chg="addSp delSp modSp add mod">
-        <pc:chgData name="Dragan Javorac" userId="913c2858-fb97-4c6e-a42c-b1f1a16b225e" providerId="ADAL" clId="{BC00D9DF-F858-4149-8B7B-F211D448CEDA}" dt="2025-09-05T06:59:44.994" v="1298" actId="22"/>
+        <pc:chgData name="Dragan Javorac" userId="913c2858-fb97-4c6e-a42c-b1f1a16b225e" providerId="ADAL" clId="{BC00D9DF-F858-4149-8B7B-F211D448CEDA}" dt="2025-09-16T08:16:05.954" v="2050" actId="1076"/>
         <pc:sldMkLst>
           <pc:docMk/>
           <pc:sldMk cId="2023169900" sldId="271"/>
@@ -494,7 +328,7 @@
           </ac:spMkLst>
         </pc:spChg>
         <pc:picChg chg="add mod">
-          <ac:chgData name="Dragan Javorac" userId="913c2858-fb97-4c6e-a42c-b1f1a16b225e" providerId="ADAL" clId="{BC00D9DF-F858-4149-8B7B-F211D448CEDA}" dt="2025-09-05T06:59:06.684" v="1248" actId="1076"/>
+          <ac:chgData name="Dragan Javorac" userId="913c2858-fb97-4c6e-a42c-b1f1a16b225e" providerId="ADAL" clId="{BC00D9DF-F858-4149-8B7B-F211D448CEDA}" dt="2025-09-16T08:16:05.954" v="2050" actId="1076"/>
           <ac:picMkLst>
             <pc:docMk/>
             <pc:sldMk cId="2023169900" sldId="271"/>
@@ -509,14 +343,6 @@
             <ac:picMk id="7" creationId="{64F70A36-CCC1-D3DB-F84F-2C336CF859C9}"/>
           </ac:picMkLst>
         </pc:picChg>
-        <pc:picChg chg="add del">
-          <ac:chgData name="Dragan Javorac" userId="913c2858-fb97-4c6e-a42c-b1f1a16b225e" providerId="ADAL" clId="{BC00D9DF-F858-4149-8B7B-F211D448CEDA}" dt="2025-09-05T06:59:44.994" v="1298" actId="22"/>
-          <ac:picMkLst>
-            <pc:docMk/>
-            <pc:sldMk cId="2023169900" sldId="271"/>
-            <ac:picMk id="9" creationId="{937D7651-9375-A966-4876-99BBE7AE1167}"/>
-          </ac:picMkLst>
-        </pc:picChg>
       </pc:sldChg>
       <pc:sldChg chg="modSp add del mod">
         <pc:chgData name="Dragan Javorac" userId="913c2858-fb97-4c6e-a42c-b1f1a16b225e" providerId="ADAL" clId="{BC00D9DF-F858-4149-8B7B-F211D448CEDA}" dt="2025-09-05T06:57:47.904" v="1223" actId="47"/>
@@ -524,22 +350,6 @@
           <pc:docMk/>
           <pc:sldMk cId="2872672637" sldId="271"/>
         </pc:sldMkLst>
-        <pc:spChg chg="mod">
-          <ac:chgData name="Dragan Javorac" userId="913c2858-fb97-4c6e-a42c-b1f1a16b225e" providerId="ADAL" clId="{BC00D9DF-F858-4149-8B7B-F211D448CEDA}" dt="2025-09-05T06:51:41.784" v="951" actId="27636"/>
-          <ac:spMkLst>
-            <pc:docMk/>
-            <pc:sldMk cId="2872672637" sldId="271"/>
-            <ac:spMk id="2" creationId="{184DCF08-6EE8-9672-56E5-5F88768E0087}"/>
-          </ac:spMkLst>
-        </pc:spChg>
-        <pc:spChg chg="mod">
-          <ac:chgData name="Dragan Javorac" userId="913c2858-fb97-4c6e-a42c-b1f1a16b225e" providerId="ADAL" clId="{BC00D9DF-F858-4149-8B7B-F211D448CEDA}" dt="2025-09-05T06:51:47.532" v="953" actId="14"/>
-          <ac:spMkLst>
-            <pc:docMk/>
-            <pc:sldMk cId="2872672637" sldId="271"/>
-            <ac:spMk id="3" creationId="{BC0C108F-E541-4E37-AE59-74B4B54B7BB7}"/>
-          </ac:spMkLst>
-        </pc:spChg>
       </pc:sldChg>
       <pc:sldChg chg="addSp delSp modSp add del mod">
         <pc:chgData name="Dragan Javorac" userId="913c2858-fb97-4c6e-a42c-b1f1a16b225e" providerId="ADAL" clId="{BC00D9DF-F858-4149-8B7B-F211D448CEDA}" dt="2025-09-05T06:57:47.904" v="1223" actId="47"/>
@@ -547,41 +357,9 @@
           <pc:docMk/>
           <pc:sldMk cId="72577928" sldId="272"/>
         </pc:sldMkLst>
-        <pc:spChg chg="mod">
-          <ac:chgData name="Dragan Javorac" userId="913c2858-fb97-4c6e-a42c-b1f1a16b225e" providerId="ADAL" clId="{BC00D9DF-F858-4149-8B7B-F211D448CEDA}" dt="2025-09-05T06:51:32.976" v="942"/>
-          <ac:spMkLst>
-            <pc:docMk/>
-            <pc:sldMk cId="72577928" sldId="272"/>
-            <ac:spMk id="2" creationId="{20EB63C2-A77D-194F-D218-7860308600CB}"/>
-          </ac:spMkLst>
-        </pc:spChg>
-        <pc:spChg chg="mod">
-          <ac:chgData name="Dragan Javorac" userId="913c2858-fb97-4c6e-a42c-b1f1a16b225e" providerId="ADAL" clId="{BC00D9DF-F858-4149-8B7B-F211D448CEDA}" dt="2025-09-05T06:51:35.155" v="944" actId="6549"/>
-          <ac:spMkLst>
-            <pc:docMk/>
-            <pc:sldMk cId="72577928" sldId="272"/>
-            <ac:spMk id="3" creationId="{A405F7DD-9242-B6BC-1EAE-CB92C0013162}"/>
-          </ac:spMkLst>
-        </pc:spChg>
-        <pc:picChg chg="del mod">
-          <ac:chgData name="Dragan Javorac" userId="913c2858-fb97-4c6e-a42c-b1f1a16b225e" providerId="ADAL" clId="{BC00D9DF-F858-4149-8B7B-F211D448CEDA}" dt="2025-09-05T06:48:42.098" v="596" actId="478"/>
-          <ac:picMkLst>
-            <pc:docMk/>
-            <pc:sldMk cId="72577928" sldId="272"/>
-            <ac:picMk id="5" creationId="{332B467D-F029-B11A-A1FA-F022F80FFE2A}"/>
-          </ac:picMkLst>
-        </pc:picChg>
-        <pc:picChg chg="add mod">
-          <ac:chgData name="Dragan Javorac" userId="913c2858-fb97-4c6e-a42c-b1f1a16b225e" providerId="ADAL" clId="{BC00D9DF-F858-4149-8B7B-F211D448CEDA}" dt="2025-09-05T06:48:43.823" v="598" actId="1076"/>
-          <ac:picMkLst>
-            <pc:docMk/>
-            <pc:sldMk cId="72577928" sldId="272"/>
-            <ac:picMk id="6" creationId="{D1A7BD43-8159-A21E-5F41-5CEE49601013}"/>
-          </ac:picMkLst>
-        </pc:picChg>
       </pc:sldChg>
       <pc:sldChg chg="delSp modSp add mod">
-        <pc:chgData name="Dragan Javorac" userId="913c2858-fb97-4c6e-a42c-b1f1a16b225e" providerId="ADAL" clId="{BC00D9DF-F858-4149-8B7B-F211D448CEDA}" dt="2025-09-05T07:01:08.822" v="1448" actId="6549"/>
+        <pc:chgData name="Dragan Javorac" userId="913c2858-fb97-4c6e-a42c-b1f1a16b225e" providerId="ADAL" clId="{BC00D9DF-F858-4149-8B7B-F211D448CEDA}" dt="2025-09-16T09:30:36.525" v="2368" actId="20577"/>
         <pc:sldMkLst>
           <pc:docMk/>
           <pc:sldMk cId="2035637063" sldId="272"/>
@@ -595,32 +373,16 @@
           </ac:spMkLst>
         </pc:spChg>
         <pc:spChg chg="mod">
-          <ac:chgData name="Dragan Javorac" userId="913c2858-fb97-4c6e-a42c-b1f1a16b225e" providerId="ADAL" clId="{BC00D9DF-F858-4149-8B7B-F211D448CEDA}" dt="2025-09-05T07:01:08.822" v="1448" actId="6549"/>
+          <ac:chgData name="Dragan Javorac" userId="913c2858-fb97-4c6e-a42c-b1f1a16b225e" providerId="ADAL" clId="{BC00D9DF-F858-4149-8B7B-F211D448CEDA}" dt="2025-09-16T09:30:36.525" v="2368" actId="20577"/>
           <ac:spMkLst>
             <pc:docMk/>
             <pc:sldMk cId="2035637063" sldId="272"/>
             <ac:spMk id="3" creationId="{F16DF147-FB70-9A6E-88F4-A747F6B1BCF1}"/>
           </ac:spMkLst>
         </pc:spChg>
-        <pc:picChg chg="del">
-          <ac:chgData name="Dragan Javorac" userId="913c2858-fb97-4c6e-a42c-b1f1a16b225e" providerId="ADAL" clId="{BC00D9DF-F858-4149-8B7B-F211D448CEDA}" dt="2025-09-05T06:59:58.644" v="1302" actId="478"/>
-          <ac:picMkLst>
-            <pc:docMk/>
-            <pc:sldMk cId="2035637063" sldId="272"/>
-            <ac:picMk id="5" creationId="{D869C6BA-4B88-E092-C6C7-453268B756D9}"/>
-          </ac:picMkLst>
-        </pc:picChg>
-        <pc:picChg chg="del">
-          <ac:chgData name="Dragan Javorac" userId="913c2858-fb97-4c6e-a42c-b1f1a16b225e" providerId="ADAL" clId="{BC00D9DF-F858-4149-8B7B-F211D448CEDA}" dt="2025-09-05T06:59:59.390" v="1303" actId="478"/>
-          <ac:picMkLst>
-            <pc:docMk/>
-            <pc:sldMk cId="2035637063" sldId="272"/>
-            <ac:picMk id="7" creationId="{9AF549C4-EB0B-40FD-5791-58B2B3C685E0}"/>
-          </ac:picMkLst>
-        </pc:picChg>
       </pc:sldChg>
       <pc:sldChg chg="addSp delSp modSp add mod">
-        <pc:chgData name="Dragan Javorac" userId="913c2858-fb97-4c6e-a42c-b1f1a16b225e" providerId="ADAL" clId="{BC00D9DF-F858-4149-8B7B-F211D448CEDA}" dt="2025-09-05T07:03:22.265" v="1818" actId="20577"/>
+        <pc:chgData name="Dragan Javorac" userId="913c2858-fb97-4c6e-a42c-b1f1a16b225e" providerId="ADAL" clId="{BC00D9DF-F858-4149-8B7B-F211D448CEDA}" dt="2025-09-16T08:18:42.892" v="2265" actId="15"/>
         <pc:sldMkLst>
           <pc:docMk/>
           <pc:sldMk cId="274033116" sldId="273"/>
@@ -634,19 +396,19 @@
           </ac:spMkLst>
         </pc:spChg>
         <pc:spChg chg="mod">
-          <ac:chgData name="Dragan Javorac" userId="913c2858-fb97-4c6e-a42c-b1f1a16b225e" providerId="ADAL" clId="{BC00D9DF-F858-4149-8B7B-F211D448CEDA}" dt="2025-09-05T07:03:22.265" v="1818" actId="20577"/>
+          <ac:chgData name="Dragan Javorac" userId="913c2858-fb97-4c6e-a42c-b1f1a16b225e" providerId="ADAL" clId="{BC00D9DF-F858-4149-8B7B-F211D448CEDA}" dt="2025-09-16T08:18:42.892" v="2265" actId="15"/>
           <ac:spMkLst>
             <pc:docMk/>
             <pc:sldMk cId="274033116" sldId="273"/>
             <ac:spMk id="3" creationId="{E2ACD22B-D370-E495-1317-9423FE94D589}"/>
           </ac:spMkLst>
         </pc:spChg>
-        <pc:picChg chg="add del mod">
-          <ac:chgData name="Dragan Javorac" userId="913c2858-fb97-4c6e-a42c-b1f1a16b225e" providerId="ADAL" clId="{BC00D9DF-F858-4149-8B7B-F211D448CEDA}" dt="2025-09-05T07:02:10.556" v="1631" actId="478"/>
+        <pc:picChg chg="add mod">
+          <ac:chgData name="Dragan Javorac" userId="913c2858-fb97-4c6e-a42c-b1f1a16b225e" providerId="ADAL" clId="{BC00D9DF-F858-4149-8B7B-F211D448CEDA}" dt="2025-09-16T08:18:01.924" v="2172" actId="1076"/>
           <ac:picMkLst>
             <pc:docMk/>
             <pc:sldMk cId="274033116" sldId="273"/>
-            <ac:picMk id="5" creationId="{10F1C91A-3519-1F85-5486-6B2D66067AD9}"/>
+            <ac:picMk id="4" creationId="{C81F5915-39EF-EF18-6640-29909BCE7915}"/>
           </ac:picMkLst>
         </pc:picChg>
       </pc:sldChg>
@@ -656,51 +418,19 @@
           <pc:docMk/>
           <pc:sldMk cId="629062919" sldId="273"/>
         </pc:sldMkLst>
-        <pc:spChg chg="mod">
-          <ac:chgData name="Dragan Javorac" userId="913c2858-fb97-4c6e-a42c-b1f1a16b225e" providerId="ADAL" clId="{BC00D9DF-F858-4149-8B7B-F211D448CEDA}" dt="2025-09-05T06:49:14.068" v="649" actId="20577"/>
-          <ac:spMkLst>
-            <pc:docMk/>
-            <pc:sldMk cId="629062919" sldId="273"/>
-            <ac:spMk id="2" creationId="{EA35CC6D-C111-E6E7-6590-360902EC259B}"/>
-          </ac:spMkLst>
-        </pc:spChg>
-        <pc:spChg chg="mod">
-          <ac:chgData name="Dragan Javorac" userId="913c2858-fb97-4c6e-a42c-b1f1a16b225e" providerId="ADAL" clId="{BC00D9DF-F858-4149-8B7B-F211D448CEDA}" dt="2025-09-05T06:50:07.754" v="840" actId="20577"/>
-          <ac:spMkLst>
-            <pc:docMk/>
-            <pc:sldMk cId="629062919" sldId="273"/>
-            <ac:spMk id="3" creationId="{0D285EAF-7D95-87BB-F41B-535606E488D2}"/>
-          </ac:spMkLst>
-        </pc:spChg>
       </pc:sldChg>
-      <pc:sldChg chg="addSp delSp modSp add mod">
-        <pc:chgData name="Dragan Javorac" userId="913c2858-fb97-4c6e-a42c-b1f1a16b225e" providerId="ADAL" clId="{BC00D9DF-F858-4149-8B7B-F211D448CEDA}" dt="2025-09-05T07:03:50.799" v="1851" actId="20577"/>
+      <pc:sldChg chg="addSp delSp modSp add mod ord">
+        <pc:chgData name="Dragan Javorac" userId="913c2858-fb97-4c6e-a42c-b1f1a16b225e" providerId="ADAL" clId="{BC00D9DF-F858-4149-8B7B-F211D448CEDA}" dt="2025-09-16T08:20:36.167" v="2289"/>
         <pc:sldMkLst>
           <pc:docMk/>
           <pc:sldMk cId="3063555163" sldId="274"/>
         </pc:sldMkLst>
-        <pc:spChg chg="del">
-          <ac:chgData name="Dragan Javorac" userId="913c2858-fb97-4c6e-a42c-b1f1a16b225e" providerId="ADAL" clId="{BC00D9DF-F858-4149-8B7B-F211D448CEDA}" dt="2025-09-05T07:03:29.775" v="1821" actId="478"/>
-          <ac:spMkLst>
-            <pc:docMk/>
-            <pc:sldMk cId="3063555163" sldId="274"/>
-            <ac:spMk id="2" creationId="{4589AF69-D2E4-2B07-B2EA-123CEB70AF6C}"/>
-          </ac:spMkLst>
-        </pc:spChg>
         <pc:spChg chg="mod">
           <ac:chgData name="Dragan Javorac" userId="913c2858-fb97-4c6e-a42c-b1f1a16b225e" providerId="ADAL" clId="{BC00D9DF-F858-4149-8B7B-F211D448CEDA}" dt="2025-09-05T07:03:38.799" v="1834" actId="1076"/>
           <ac:spMkLst>
             <pc:docMk/>
             <pc:sldMk cId="3063555163" sldId="274"/>
             <ac:spMk id="3" creationId="{CD19A54C-2554-4D38-4737-39F4256555CD}"/>
-          </ac:spMkLst>
-        </pc:spChg>
-        <pc:spChg chg="add del mod">
-          <ac:chgData name="Dragan Javorac" userId="913c2858-fb97-4c6e-a42c-b1f1a16b225e" providerId="ADAL" clId="{BC00D9DF-F858-4149-8B7B-F211D448CEDA}" dt="2025-09-05T07:03:31.244" v="1822" actId="478"/>
-          <ac:spMkLst>
-            <pc:docMk/>
-            <pc:sldMk cId="3063555163" sldId="274"/>
-            <ac:spMk id="8" creationId="{848E8316-90BC-3FA3-2956-36A7E02B5FF9}"/>
           </ac:spMkLst>
         </pc:spChg>
         <pc:spChg chg="add mod">
@@ -734,38 +464,6 @@
           <pc:docMk/>
           <pc:sldMk cId="3383277416" sldId="274"/>
         </pc:sldMkLst>
-        <pc:spChg chg="mod">
-          <ac:chgData name="Dragan Javorac" userId="913c2858-fb97-4c6e-a42c-b1f1a16b225e" providerId="ADAL" clId="{BC00D9DF-F858-4149-8B7B-F211D448CEDA}" dt="2025-09-05T06:51:16.999" v="913"/>
-          <ac:spMkLst>
-            <pc:docMk/>
-            <pc:sldMk cId="3383277416" sldId="274"/>
-            <ac:spMk id="2" creationId="{8506B8A1-1EED-F70F-BAD6-F43154E90ED0}"/>
-          </ac:spMkLst>
-        </pc:spChg>
-        <pc:spChg chg="mod">
-          <ac:chgData name="Dragan Javorac" userId="913c2858-fb97-4c6e-a42c-b1f1a16b225e" providerId="ADAL" clId="{BC00D9DF-F858-4149-8B7B-F211D448CEDA}" dt="2025-09-05T06:51:24.184" v="941" actId="20577"/>
-          <ac:spMkLst>
-            <pc:docMk/>
-            <pc:sldMk cId="3383277416" sldId="274"/>
-            <ac:spMk id="3" creationId="{759D00B3-8D1E-980D-1963-DBC3B72B33B7}"/>
-          </ac:spMkLst>
-        </pc:spChg>
-        <pc:picChg chg="add mod">
-          <ac:chgData name="Dragan Javorac" userId="913c2858-fb97-4c6e-a42c-b1f1a16b225e" providerId="ADAL" clId="{BC00D9DF-F858-4149-8B7B-F211D448CEDA}" dt="2025-09-05T06:50:45.994" v="877" actId="1076"/>
-          <ac:picMkLst>
-            <pc:docMk/>
-            <pc:sldMk cId="3383277416" sldId="274"/>
-            <ac:picMk id="5" creationId="{8DC3CE06-46C3-1D2E-F75B-018CD620B5EE}"/>
-          </ac:picMkLst>
-        </pc:picChg>
-        <pc:picChg chg="del">
-          <ac:chgData name="Dragan Javorac" userId="913c2858-fb97-4c6e-a42c-b1f1a16b225e" providerId="ADAL" clId="{BC00D9DF-F858-4149-8B7B-F211D448CEDA}" dt="2025-09-05T06:50:44.207" v="875" actId="478"/>
-          <ac:picMkLst>
-            <pc:docMk/>
-            <pc:sldMk cId="3383277416" sldId="274"/>
-            <ac:picMk id="6" creationId="{A256AC14-C29B-5FA3-0876-7E181BE0C160}"/>
-          </ac:picMkLst>
-        </pc:picChg>
       </pc:sldChg>
       <pc:sldChg chg="modSp add del mod">
         <pc:chgData name="Dragan Javorac" userId="913c2858-fb97-4c6e-a42c-b1f1a16b225e" providerId="ADAL" clId="{BC00D9DF-F858-4149-8B7B-F211D448CEDA}" dt="2025-09-05T06:57:47.904" v="1223" actId="47"/>
@@ -773,22 +471,6 @@
           <pc:docMk/>
           <pc:sldMk cId="1226168324" sldId="275"/>
         </pc:sldMkLst>
-        <pc:spChg chg="mod">
-          <ac:chgData name="Dragan Javorac" userId="913c2858-fb97-4c6e-a42c-b1f1a16b225e" providerId="ADAL" clId="{BC00D9DF-F858-4149-8B7B-F211D448CEDA}" dt="2025-09-05T06:51:11.093" v="909" actId="20577"/>
-          <ac:spMkLst>
-            <pc:docMk/>
-            <pc:sldMk cId="1226168324" sldId="275"/>
-            <ac:spMk id="2" creationId="{7CF4DA37-1922-9B3B-30C3-C777892056DA}"/>
-          </ac:spMkLst>
-        </pc:spChg>
-        <pc:spChg chg="mod">
-          <ac:chgData name="Dragan Javorac" userId="913c2858-fb97-4c6e-a42c-b1f1a16b225e" providerId="ADAL" clId="{BC00D9DF-F858-4149-8B7B-F211D448CEDA}" dt="2025-09-05T06:51:04.654" v="904"/>
-          <ac:spMkLst>
-            <pc:docMk/>
-            <pc:sldMk cId="1226168324" sldId="275"/>
-            <ac:spMk id="3" creationId="{86BFAE7F-2FA4-3C1B-9261-D15AB731705E}"/>
-          </ac:spMkLst>
-        </pc:spChg>
       </pc:sldChg>
       <pc:sldChg chg="addSp delSp modSp add mod ord">
         <pc:chgData name="Dragan Javorac" userId="913c2858-fb97-4c6e-a42c-b1f1a16b225e" providerId="ADAL" clId="{BC00D9DF-F858-4149-8B7B-F211D448CEDA}" dt="2025-09-05T07:05:29.123" v="1863" actId="1076"/>
@@ -804,14 +486,6 @@
             <ac:spMk id="2" creationId="{FA95EEDE-7345-8A70-2BA7-A35587E1522D}"/>
           </ac:spMkLst>
         </pc:spChg>
-        <pc:spChg chg="del mod">
-          <ac:chgData name="Dragan Javorac" userId="913c2858-fb97-4c6e-a42c-b1f1a16b225e" providerId="ADAL" clId="{BC00D9DF-F858-4149-8B7B-F211D448CEDA}" dt="2025-09-05T07:04:59.969" v="1859" actId="478"/>
-          <ac:spMkLst>
-            <pc:docMk/>
-            <pc:sldMk cId="4161686128" sldId="275"/>
-            <ac:spMk id="3" creationId="{4D9D7FCB-B694-C1BC-B368-DA607E64F8E8}"/>
-          </ac:spMkLst>
-        </pc:spChg>
         <pc:picChg chg="add mod">
           <ac:chgData name="Dragan Javorac" userId="913c2858-fb97-4c6e-a42c-b1f1a16b225e" providerId="ADAL" clId="{BC00D9DF-F858-4149-8B7B-F211D448CEDA}" dt="2025-09-05T07:05:29.123" v="1863" actId="1076"/>
           <ac:picMkLst>
@@ -821,44 +495,43 @@
           </ac:picMkLst>
         </pc:picChg>
       </pc:sldChg>
+      <pc:sldChg chg="addSp modSp add mod">
+        <pc:chgData name="Dragan Javorac" userId="913c2858-fb97-4c6e-a42c-b1f1a16b225e" providerId="ADAL" clId="{BC00D9DF-F858-4149-8B7B-F211D448CEDA}" dt="2025-09-16T08:17:22.808" v="2165" actId="20577"/>
+        <pc:sldMkLst>
+          <pc:docMk/>
+          <pc:sldMk cId="927791411" sldId="276"/>
+        </pc:sldMkLst>
+        <pc:spChg chg="mod">
+          <ac:chgData name="Dragan Javorac" userId="913c2858-fb97-4c6e-a42c-b1f1a16b225e" providerId="ADAL" clId="{BC00D9DF-F858-4149-8B7B-F211D448CEDA}" dt="2025-09-16T08:16:25.462" v="2054"/>
+          <ac:spMkLst>
+            <pc:docMk/>
+            <pc:sldMk cId="927791411" sldId="276"/>
+            <ac:spMk id="2" creationId="{2B8F3DA9-6B93-AA73-170F-E1F570306142}"/>
+          </ac:spMkLst>
+        </pc:spChg>
+        <pc:spChg chg="mod">
+          <ac:chgData name="Dragan Javorac" userId="913c2858-fb97-4c6e-a42c-b1f1a16b225e" providerId="ADAL" clId="{BC00D9DF-F858-4149-8B7B-F211D448CEDA}" dt="2025-09-16T08:17:22.808" v="2165" actId="20577"/>
+          <ac:spMkLst>
+            <pc:docMk/>
+            <pc:sldMk cId="927791411" sldId="276"/>
+            <ac:spMk id="3" creationId="{CABF842D-CBB1-E508-00F2-E8B8215408AE}"/>
+          </ac:spMkLst>
+        </pc:spChg>
+        <pc:picChg chg="add mod">
+          <ac:chgData name="Dragan Javorac" userId="913c2858-fb97-4c6e-a42c-b1f1a16b225e" providerId="ADAL" clId="{BC00D9DF-F858-4149-8B7B-F211D448CEDA}" dt="2025-09-16T08:16:52.639" v="2082" actId="1076"/>
+          <ac:picMkLst>
+            <pc:docMk/>
+            <pc:sldMk cId="927791411" sldId="276"/>
+            <ac:picMk id="5" creationId="{72BC626D-684F-3A85-06C8-2B1847ACDC49}"/>
+          </ac:picMkLst>
+        </pc:picChg>
+      </pc:sldChg>
       <pc:sldChg chg="addSp delSp modSp add del mod">
         <pc:chgData name="Dragan Javorac" userId="913c2858-fb97-4c6e-a42c-b1f1a16b225e" providerId="ADAL" clId="{BC00D9DF-F858-4149-8B7B-F211D448CEDA}" dt="2025-09-05T06:57:47.904" v="1223" actId="47"/>
         <pc:sldMkLst>
           <pc:docMk/>
           <pc:sldMk cId="1534339280" sldId="276"/>
         </pc:sldMkLst>
-        <pc:spChg chg="mod">
-          <ac:chgData name="Dragan Javorac" userId="913c2858-fb97-4c6e-a42c-b1f1a16b225e" providerId="ADAL" clId="{BC00D9DF-F858-4149-8B7B-F211D448CEDA}" dt="2025-09-05T06:52:10.487" v="957"/>
-          <ac:spMkLst>
-            <pc:docMk/>
-            <pc:sldMk cId="1534339280" sldId="276"/>
-            <ac:spMk id="2" creationId="{03731C21-8602-2164-4482-84CEC59F3D34}"/>
-          </ac:spMkLst>
-        </pc:spChg>
-        <pc:spChg chg="mod">
-          <ac:chgData name="Dragan Javorac" userId="913c2858-fb97-4c6e-a42c-b1f1a16b225e" providerId="ADAL" clId="{BC00D9DF-F858-4149-8B7B-F211D448CEDA}" dt="2025-09-05T06:52:57.594" v="1080" actId="20577"/>
-          <ac:spMkLst>
-            <pc:docMk/>
-            <pc:sldMk cId="1534339280" sldId="276"/>
-            <ac:spMk id="3" creationId="{93B232BB-7CF5-D324-2A40-582336244F09}"/>
-          </ac:spMkLst>
-        </pc:spChg>
-        <pc:picChg chg="del">
-          <ac:chgData name="Dragan Javorac" userId="913c2858-fb97-4c6e-a42c-b1f1a16b225e" providerId="ADAL" clId="{BC00D9DF-F858-4149-8B7B-F211D448CEDA}" dt="2025-09-05T06:52:34.729" v="1024" actId="478"/>
-          <ac:picMkLst>
-            <pc:docMk/>
-            <pc:sldMk cId="1534339280" sldId="276"/>
-            <ac:picMk id="5" creationId="{7A16CC89-D6E3-C22B-7508-1AF40E0F1079}"/>
-          </ac:picMkLst>
-        </pc:picChg>
-        <pc:picChg chg="add mod">
-          <ac:chgData name="Dragan Javorac" userId="913c2858-fb97-4c6e-a42c-b1f1a16b225e" providerId="ADAL" clId="{BC00D9DF-F858-4149-8B7B-F211D448CEDA}" dt="2025-09-05T06:52:36.284" v="1026" actId="1076"/>
-          <ac:picMkLst>
-            <pc:docMk/>
-            <pc:sldMk cId="1534339280" sldId="276"/>
-            <ac:picMk id="6" creationId="{C3957840-CBB0-F808-1060-53E4C084D2F5}"/>
-          </ac:picMkLst>
-        </pc:picChg>
       </pc:sldChg>
       <pc:sldChg chg="modSp add del mod">
         <pc:chgData name="Dragan Javorac" userId="913c2858-fb97-4c6e-a42c-b1f1a16b225e" providerId="ADAL" clId="{BC00D9DF-F858-4149-8B7B-F211D448CEDA}" dt="2025-09-05T06:57:47.904" v="1223" actId="47"/>
@@ -866,22 +539,37 @@
           <pc:docMk/>
           <pc:sldMk cId="3117709187" sldId="277"/>
         </pc:sldMkLst>
+      </pc:sldChg>
+      <pc:sldChg chg="addSp modSp add mod ord">
+        <pc:chgData name="Dragan Javorac" userId="913c2858-fb97-4c6e-a42c-b1f1a16b225e" providerId="ADAL" clId="{BC00D9DF-F858-4149-8B7B-F211D448CEDA}" dt="2025-09-16T08:15:36.748" v="2043"/>
+        <pc:sldMkLst>
+          <pc:docMk/>
+          <pc:sldMk cId="3213882017" sldId="277"/>
+        </pc:sldMkLst>
         <pc:spChg chg="mod">
-          <ac:chgData name="Dragan Javorac" userId="913c2858-fb97-4c6e-a42c-b1f1a16b225e" providerId="ADAL" clId="{BC00D9DF-F858-4149-8B7B-F211D448CEDA}" dt="2025-09-05T06:53:04.414" v="1097" actId="20577"/>
+          <ac:chgData name="Dragan Javorac" userId="913c2858-fb97-4c6e-a42c-b1f1a16b225e" providerId="ADAL" clId="{BC00D9DF-F858-4149-8B7B-F211D448CEDA}" dt="2025-09-16T08:13:42.311" v="1888" actId="20577"/>
           <ac:spMkLst>
             <pc:docMk/>
-            <pc:sldMk cId="3117709187" sldId="277"/>
-            <ac:spMk id="2" creationId="{13AD90D1-D5C3-7903-CEA7-1959AD178987}"/>
+            <pc:sldMk cId="3213882017" sldId="277"/>
+            <ac:spMk id="2" creationId="{715DA5FF-B637-B597-65FF-DD0FC4E0F5C2}"/>
           </ac:spMkLst>
         </pc:spChg>
         <pc:spChg chg="mod">
-          <ac:chgData name="Dragan Javorac" userId="913c2858-fb97-4c6e-a42c-b1f1a16b225e" providerId="ADAL" clId="{BC00D9DF-F858-4149-8B7B-F211D448CEDA}" dt="2025-09-05T06:54:13.122" v="1208"/>
+          <ac:chgData name="Dragan Javorac" userId="913c2858-fb97-4c6e-a42c-b1f1a16b225e" providerId="ADAL" clId="{BC00D9DF-F858-4149-8B7B-F211D448CEDA}" dt="2025-09-16T08:15:20.867" v="2037" actId="20577"/>
           <ac:spMkLst>
             <pc:docMk/>
-            <pc:sldMk cId="3117709187" sldId="277"/>
-            <ac:spMk id="3" creationId="{FBA04628-C622-4365-3784-06CDCD5898E6}"/>
+            <pc:sldMk cId="3213882017" sldId="277"/>
+            <ac:spMk id="3" creationId="{A8E398D9-DB90-EE1A-6C12-2817B3DC5808}"/>
           </ac:spMkLst>
         </pc:spChg>
+        <pc:picChg chg="add mod">
+          <ac:chgData name="Dragan Javorac" userId="913c2858-fb97-4c6e-a42c-b1f1a16b225e" providerId="ADAL" clId="{BC00D9DF-F858-4149-8B7B-F211D448CEDA}" dt="2025-09-16T08:15:07.912" v="1998" actId="1076"/>
+          <ac:picMkLst>
+            <pc:docMk/>
+            <pc:sldMk cId="3213882017" sldId="277"/>
+            <ac:picMk id="5" creationId="{12809232-921D-DD7D-6A3A-27C43D06516E}"/>
+          </ac:picMkLst>
+        </pc:picChg>
       </pc:sldChg>
       <pc:sldChg chg="addSp delSp modSp add del mod">
         <pc:chgData name="Dragan Javorac" userId="913c2858-fb97-4c6e-a42c-b1f1a16b225e" providerId="ADAL" clId="{BC00D9DF-F858-4149-8B7B-F211D448CEDA}" dt="2025-09-05T06:57:47.904" v="1223" actId="47"/>
@@ -889,36 +577,88 @@
           <pc:docMk/>
           <pc:sldMk cId="807117044" sldId="278"/>
         </pc:sldMkLst>
+      </pc:sldChg>
+      <pc:sldChg chg="add del">
+        <pc:chgData name="Dragan Javorac" userId="913c2858-fb97-4c6e-a42c-b1f1a16b225e" providerId="ADAL" clId="{BC00D9DF-F858-4149-8B7B-F211D448CEDA}" dt="2025-09-16T08:19:08.318" v="2275" actId="47"/>
+        <pc:sldMkLst>
+          <pc:docMk/>
+          <pc:sldMk cId="3422472582" sldId="278"/>
+        </pc:sldMkLst>
+      </pc:sldChg>
+      <pc:sldChg chg="addSp modSp add mod">
+        <pc:chgData name="Dragan Javorac" userId="913c2858-fb97-4c6e-a42c-b1f1a16b225e" providerId="ADAL" clId="{BC00D9DF-F858-4149-8B7B-F211D448CEDA}" dt="2025-09-16T08:19:03.072" v="2274" actId="20577"/>
+        <pc:sldMkLst>
+          <pc:docMk/>
+          <pc:sldMk cId="1942821523" sldId="279"/>
+        </pc:sldMkLst>
         <pc:spChg chg="mod">
-          <ac:chgData name="Dragan Javorac" userId="913c2858-fb97-4c6e-a42c-b1f1a16b225e" providerId="ADAL" clId="{BC00D9DF-F858-4149-8B7B-F211D448CEDA}" dt="2025-09-05T06:54:19.648" v="1210"/>
+          <ac:chgData name="Dragan Javorac" userId="913c2858-fb97-4c6e-a42c-b1f1a16b225e" providerId="ADAL" clId="{BC00D9DF-F858-4149-8B7B-F211D448CEDA}" dt="2025-09-16T08:19:03.072" v="2274" actId="20577"/>
           <ac:spMkLst>
             <pc:docMk/>
-            <pc:sldMk cId="807117044" sldId="278"/>
-            <ac:spMk id="2" creationId="{50B8A205-01A2-B118-C7C7-BD40C8A3E9B7}"/>
+            <pc:sldMk cId="1942821523" sldId="279"/>
+            <ac:spMk id="3" creationId="{EB6ACB4F-372E-6381-31BB-1CC5A2948075}"/>
+          </ac:spMkLst>
+        </pc:spChg>
+        <pc:picChg chg="add mod">
+          <ac:chgData name="Dragan Javorac" userId="913c2858-fb97-4c6e-a42c-b1f1a16b225e" providerId="ADAL" clId="{BC00D9DF-F858-4149-8B7B-F211D448CEDA}" dt="2025-09-16T08:18:54.579" v="2268" actId="1076"/>
+          <ac:picMkLst>
+            <pc:docMk/>
+            <pc:sldMk cId="1942821523" sldId="279"/>
+            <ac:picMk id="4" creationId="{8AC50CEE-C844-9FF5-2E1A-A6CECD266F9A}"/>
+          </ac:picMkLst>
+        </pc:picChg>
+      </pc:sldChg>
+      <pc:sldChg chg="add del">
+        <pc:chgData name="Dragan Javorac" userId="913c2858-fb97-4c6e-a42c-b1f1a16b225e" providerId="ADAL" clId="{BC00D9DF-F858-4149-8B7B-F211D448CEDA}" dt="2025-09-16T08:20:37.801" v="2290" actId="47"/>
+        <pc:sldMkLst>
+          <pc:docMk/>
+          <pc:sldMk cId="1764718603" sldId="280"/>
+        </pc:sldMkLst>
+      </pc:sldChg>
+      <pc:sldChg chg="addSp delSp modSp add mod">
+        <pc:chgData name="Dragan Javorac" userId="913c2858-fb97-4c6e-a42c-b1f1a16b225e" providerId="ADAL" clId="{BC00D9DF-F858-4149-8B7B-F211D448CEDA}" dt="2025-09-16T09:29:35.488" v="2360" actId="14100"/>
+        <pc:sldMkLst>
+          <pc:docMk/>
+          <pc:sldMk cId="1476945259" sldId="281"/>
+        </pc:sldMkLst>
+        <pc:spChg chg="mod">
+          <ac:chgData name="Dragan Javorac" userId="913c2858-fb97-4c6e-a42c-b1f1a16b225e" providerId="ADAL" clId="{BC00D9DF-F858-4149-8B7B-F211D448CEDA}" dt="2025-09-16T08:20:25.223" v="2279"/>
+          <ac:spMkLst>
+            <pc:docMk/>
+            <pc:sldMk cId="1476945259" sldId="281"/>
+            <ac:spMk id="2" creationId="{C0A129A9-A026-4611-9B27-7EF132244713}"/>
           </ac:spMkLst>
         </pc:spChg>
         <pc:spChg chg="mod">
-          <ac:chgData name="Dragan Javorac" userId="913c2858-fb97-4c6e-a42c-b1f1a16b225e" providerId="ADAL" clId="{BC00D9DF-F858-4149-8B7B-F211D448CEDA}" dt="2025-09-05T06:55:16.381" v="1221"/>
+          <ac:chgData name="Dragan Javorac" userId="913c2858-fb97-4c6e-a42c-b1f1a16b225e" providerId="ADAL" clId="{BC00D9DF-F858-4149-8B7B-F211D448CEDA}" dt="2025-09-16T08:21:01.166" v="2354" actId="15"/>
           <ac:spMkLst>
             <pc:docMk/>
-            <pc:sldMk cId="807117044" sldId="278"/>
-            <ac:spMk id="3" creationId="{11966F84-88AB-F907-8C1A-AC4E7334EE8E}"/>
+            <pc:sldMk cId="1476945259" sldId="281"/>
+            <ac:spMk id="3" creationId="{7652B821-F318-38A9-304E-ECF1B1E06892}"/>
           </ac:spMkLst>
         </pc:spChg>
         <pc:picChg chg="del">
-          <ac:chgData name="Dragan Javorac" userId="913c2858-fb97-4c6e-a42c-b1f1a16b225e" providerId="ADAL" clId="{BC00D9DF-F858-4149-8B7B-F211D448CEDA}" dt="2025-09-05T06:54:22.704" v="1211" actId="478"/>
+          <ac:chgData name="Dragan Javorac" userId="913c2858-fb97-4c6e-a42c-b1f1a16b225e" providerId="ADAL" clId="{BC00D9DF-F858-4149-8B7B-F211D448CEDA}" dt="2025-09-16T08:20:27.061" v="2280" actId="478"/>
           <ac:picMkLst>
             <pc:docMk/>
-            <pc:sldMk cId="807117044" sldId="278"/>
-            <ac:picMk id="5" creationId="{CE301E81-B767-31C0-5677-02BE72D17D90}"/>
+            <pc:sldMk cId="1476945259" sldId="281"/>
+            <ac:picMk id="4" creationId="{4BCE8081-C9E4-9DFA-6C07-8BC360A1A304}"/>
+          </ac:picMkLst>
+        </pc:picChg>
+        <pc:picChg chg="add del mod">
+          <ac:chgData name="Dragan Javorac" userId="913c2858-fb97-4c6e-a42c-b1f1a16b225e" providerId="ADAL" clId="{BC00D9DF-F858-4149-8B7B-F211D448CEDA}" dt="2025-09-16T09:29:32.205" v="2357" actId="478"/>
+          <ac:picMkLst>
+            <pc:docMk/>
+            <pc:sldMk cId="1476945259" sldId="281"/>
+            <ac:picMk id="6" creationId="{5E192B23-160D-53B2-CF0B-CAC10B8B2AFD}"/>
           </ac:picMkLst>
         </pc:picChg>
         <pc:picChg chg="add mod">
-          <ac:chgData name="Dragan Javorac" userId="913c2858-fb97-4c6e-a42c-b1f1a16b225e" providerId="ADAL" clId="{BC00D9DF-F858-4149-8B7B-F211D448CEDA}" dt="2025-09-05T06:54:24.144" v="1213" actId="1076"/>
+          <ac:chgData name="Dragan Javorac" userId="913c2858-fb97-4c6e-a42c-b1f1a16b225e" providerId="ADAL" clId="{BC00D9DF-F858-4149-8B7B-F211D448CEDA}" dt="2025-09-16T09:29:35.488" v="2360" actId="14100"/>
           <ac:picMkLst>
             <pc:docMk/>
-            <pc:sldMk cId="807117044" sldId="278"/>
-            <ac:picMk id="6" creationId="{1DC7833B-53FC-4AF5-CAB5-EE5672F6A4FA}"/>
+            <pc:sldMk cId="1476945259" sldId="281"/>
+            <ac:picMk id="8" creationId="{0E381DDF-686C-2B79-EB93-87B7A5FDDD12}"/>
           </ac:picMkLst>
         </pc:picChg>
       </pc:sldChg>
@@ -1009,7 +749,7 @@
           <a:p>
             <a:fld id="{0B0A3DF8-D70A-4619-BA46-AA7FA0C4FBBC}" type="datetimeFigureOut">
               <a:rPr lang="nl-NL" smtClean="0"/>
-              <a:t>5-9-2025</a:t>
+              <a:t>16-9-2025</a:t>
             </a:fld>
             <a:endParaRPr lang="nl-NL"/>
           </a:p>
@@ -1408,7 +1148,7 @@
           <a:p>
             <a:fld id="{C2BB04E2-8F0E-4C62-9794-A51F54BB41AC}" type="datetimeFigureOut">
               <a:rPr lang="nl-NL" smtClean="0"/>
-              <a:t>5-9-2025</a:t>
+              <a:t>16-9-2025</a:t>
             </a:fld>
             <a:endParaRPr lang="nl-NL"/>
           </a:p>
@@ -1578,7 +1318,7 @@
           <a:p>
             <a:fld id="{C2BB04E2-8F0E-4C62-9794-A51F54BB41AC}" type="datetimeFigureOut">
               <a:rPr lang="nl-NL" smtClean="0"/>
-              <a:t>5-9-2025</a:t>
+              <a:t>16-9-2025</a:t>
             </a:fld>
             <a:endParaRPr lang="nl-NL"/>
           </a:p>
@@ -1758,7 +1498,7 @@
           <a:p>
             <a:fld id="{C2BB04E2-8F0E-4C62-9794-A51F54BB41AC}" type="datetimeFigureOut">
               <a:rPr lang="nl-NL" smtClean="0"/>
-              <a:t>5-9-2025</a:t>
+              <a:t>16-9-2025</a:t>
             </a:fld>
             <a:endParaRPr lang="nl-NL"/>
           </a:p>
@@ -1928,7 +1668,7 @@
           <a:p>
             <a:fld id="{C2BB04E2-8F0E-4C62-9794-A51F54BB41AC}" type="datetimeFigureOut">
               <a:rPr lang="nl-NL" smtClean="0"/>
-              <a:t>5-9-2025</a:t>
+              <a:t>16-9-2025</a:t>
             </a:fld>
             <a:endParaRPr lang="nl-NL"/>
           </a:p>
@@ -2174,7 +1914,7 @@
           <a:p>
             <a:fld id="{C2BB04E2-8F0E-4C62-9794-A51F54BB41AC}" type="datetimeFigureOut">
               <a:rPr lang="nl-NL" smtClean="0"/>
-              <a:t>5-9-2025</a:t>
+              <a:t>16-9-2025</a:t>
             </a:fld>
             <a:endParaRPr lang="nl-NL"/>
           </a:p>
@@ -2406,7 +2146,7 @@
           <a:p>
             <a:fld id="{C2BB04E2-8F0E-4C62-9794-A51F54BB41AC}" type="datetimeFigureOut">
               <a:rPr lang="nl-NL" smtClean="0"/>
-              <a:t>5-9-2025</a:t>
+              <a:t>16-9-2025</a:t>
             </a:fld>
             <a:endParaRPr lang="nl-NL"/>
           </a:p>
@@ -2773,7 +2513,7 @@
           <a:p>
             <a:fld id="{C2BB04E2-8F0E-4C62-9794-A51F54BB41AC}" type="datetimeFigureOut">
               <a:rPr lang="nl-NL" smtClean="0"/>
-              <a:t>5-9-2025</a:t>
+              <a:t>16-9-2025</a:t>
             </a:fld>
             <a:endParaRPr lang="nl-NL"/>
           </a:p>
@@ -2891,7 +2631,7 @@
           <a:p>
             <a:fld id="{C2BB04E2-8F0E-4C62-9794-A51F54BB41AC}" type="datetimeFigureOut">
               <a:rPr lang="nl-NL" smtClean="0"/>
-              <a:t>5-9-2025</a:t>
+              <a:t>16-9-2025</a:t>
             </a:fld>
             <a:endParaRPr lang="nl-NL"/>
           </a:p>
@@ -2986,7 +2726,7 @@
           <a:p>
             <a:fld id="{C2BB04E2-8F0E-4C62-9794-A51F54BB41AC}" type="datetimeFigureOut">
               <a:rPr lang="nl-NL" smtClean="0"/>
-              <a:t>5-9-2025</a:t>
+              <a:t>16-9-2025</a:t>
             </a:fld>
             <a:endParaRPr lang="nl-NL"/>
           </a:p>
@@ -3263,7 +3003,7 @@
           <a:p>
             <a:fld id="{C2BB04E2-8F0E-4C62-9794-A51F54BB41AC}" type="datetimeFigureOut">
               <a:rPr lang="nl-NL" smtClean="0"/>
-              <a:t>5-9-2025</a:t>
+              <a:t>16-9-2025</a:t>
             </a:fld>
             <a:endParaRPr lang="nl-NL"/>
           </a:p>
@@ -3520,7 +3260,7 @@
           <a:p>
             <a:fld id="{C2BB04E2-8F0E-4C62-9794-A51F54BB41AC}" type="datetimeFigureOut">
               <a:rPr lang="nl-NL" smtClean="0"/>
-              <a:t>5-9-2025</a:t>
+              <a:t>16-9-2025</a:t>
             </a:fld>
             <a:endParaRPr lang="nl-NL"/>
           </a:p>
@@ -3733,7 +3473,7 @@
           <a:p>
             <a:fld id="{C2BB04E2-8F0E-4C62-9794-A51F54BB41AC}" type="datetimeFigureOut">
               <a:rPr lang="nl-NL" smtClean="0"/>
-              <a:t>5-9-2025</a:t>
+              <a:t>16-9-2025</a:t>
             </a:fld>
             <a:endParaRPr lang="nl-NL"/>
           </a:p>
@@ -4204,747 +3944,7 @@
 </p:sld>
 </file>
 
-<file path=ppt/slides/slide2.xml><?xml version="1.0" encoding="utf-8"?>
-<p:sld xmlns:a="http://schemas.openxmlformats.org/drawingml/2006/main" xmlns:r="http://schemas.openxmlformats.org/officeDocument/2006/relationships" xmlns:p="http://schemas.openxmlformats.org/presentationml/2006/main">
-  <p:cSld>
-    <p:spTree>
-      <p:nvGrpSpPr>
-        <p:cNvPr id="1" name=""/>
-        <p:cNvGrpSpPr/>
-        <p:nvPr/>
-      </p:nvGrpSpPr>
-      <p:grpSpPr>
-        <a:xfrm>
-          <a:off x="0" y="0"/>
-          <a:ext cx="0" cy="0"/>
-          <a:chOff x="0" y="0"/>
-          <a:chExt cx="0" cy="0"/>
-        </a:xfrm>
-      </p:grpSpPr>
-      <p:sp>
-        <p:nvSpPr>
-          <p:cNvPr id="2" name="Title 1">
-            <a:extLst>
-              <a:ext uri="{FF2B5EF4-FFF2-40B4-BE49-F238E27FC236}">
-                <a16:creationId xmlns:a16="http://schemas.microsoft.com/office/drawing/2014/main" id="{D9918918-CB21-3885-D7EE-E41036AD7DA7}"/>
-              </a:ext>
-            </a:extLst>
-          </p:cNvPr>
-          <p:cNvSpPr>
-            <a:spLocks noGrp="1"/>
-          </p:cNvSpPr>
-          <p:nvPr>
-            <p:ph type="title"/>
-          </p:nvPr>
-        </p:nvSpPr>
-        <p:spPr/>
-        <p:txBody>
-          <a:bodyPr/>
-          <a:lstStyle/>
-          <a:p>
-            <a:r>
-              <a:rPr lang="nl-NL" dirty="0"/>
-              <a:t>Inhoud</a:t>
-            </a:r>
-            <a:br>
-              <a:rPr lang="nl-NL" dirty="0"/>
-            </a:br>
-            <a:endParaRPr lang="nl-NL" dirty="0"/>
-          </a:p>
-        </p:txBody>
-      </p:sp>
-      <p:sp>
-        <p:nvSpPr>
-          <p:cNvPr id="3" name="Content Placeholder 2">
-            <a:extLst>
-              <a:ext uri="{FF2B5EF4-FFF2-40B4-BE49-F238E27FC236}">
-                <a16:creationId xmlns:a16="http://schemas.microsoft.com/office/drawing/2014/main" id="{F75A7A74-492B-9A1D-82F0-8C08682F8B2D}"/>
-              </a:ext>
-            </a:extLst>
-          </p:cNvPr>
-          <p:cNvSpPr>
-            <a:spLocks noGrp="1"/>
-          </p:cNvSpPr>
-          <p:nvPr>
-            <p:ph idx="1"/>
-          </p:nvPr>
-        </p:nvSpPr>
-        <p:spPr/>
-        <p:txBody>
-          <a:bodyPr/>
-          <a:lstStyle/>
-          <a:p>
-            <a:r>
-              <a:rPr lang="nl-NL" dirty="0"/>
-              <a:t>Structuur</a:t>
-            </a:r>
-          </a:p>
-          <a:p>
-            <a:r>
-              <a:rPr lang="nl-NL" dirty="0"/>
-              <a:t>Afsluiten van </a:t>
-            </a:r>
-            <a:r>
-              <a:rPr lang="nl-NL" dirty="0" err="1"/>
-              <a:t>php</a:t>
-            </a:r>
-            <a:r>
-              <a:rPr lang="nl-NL" dirty="0"/>
-              <a:t> tag</a:t>
-            </a:r>
-          </a:p>
-          <a:p>
-            <a:r>
-              <a:rPr lang="nl-NL" dirty="0"/>
-              <a:t>Onderdelen website</a:t>
-            </a:r>
-          </a:p>
-          <a:p>
-            <a:r>
-              <a:rPr lang="nl-NL" dirty="0"/>
-              <a:t>Van HTML naar Database</a:t>
-            </a:r>
-          </a:p>
-        </p:txBody>
-      </p:sp>
-    </p:spTree>
-    <p:extLst>
-      <p:ext uri="{BB962C8B-B14F-4D97-AF65-F5344CB8AC3E}">
-        <p14:creationId xmlns:p14="http://schemas.microsoft.com/office/powerpoint/2010/main" val="3642134840"/>
-      </p:ext>
-    </p:extLst>
-  </p:cSld>
-  <p:clrMapOvr>
-    <a:masterClrMapping/>
-  </p:clrMapOvr>
-</p:sld>
-</file>
-
-<file path=ppt/slides/slide3.xml><?xml version="1.0" encoding="utf-8"?>
-<p:sld xmlns:a="http://schemas.openxmlformats.org/drawingml/2006/main" xmlns:r="http://schemas.openxmlformats.org/officeDocument/2006/relationships" xmlns:p="http://schemas.openxmlformats.org/presentationml/2006/main">
-  <p:cSld>
-    <p:spTree>
-      <p:nvGrpSpPr>
-        <p:cNvPr id="1" name=""/>
-        <p:cNvGrpSpPr/>
-        <p:nvPr/>
-      </p:nvGrpSpPr>
-      <p:grpSpPr>
-        <a:xfrm>
-          <a:off x="0" y="0"/>
-          <a:ext cx="0" cy="0"/>
-          <a:chOff x="0" y="0"/>
-          <a:chExt cx="0" cy="0"/>
-        </a:xfrm>
-      </p:grpSpPr>
-      <p:sp>
-        <p:nvSpPr>
-          <p:cNvPr id="2" name="Title 1">
-            <a:extLst>
-              <a:ext uri="{FF2B5EF4-FFF2-40B4-BE49-F238E27FC236}">
-                <a16:creationId xmlns:a16="http://schemas.microsoft.com/office/drawing/2014/main" id="{BAE6D6CB-2DC7-8352-60DA-35EC29AEF5FE}"/>
-              </a:ext>
-            </a:extLst>
-          </p:cNvPr>
-          <p:cNvSpPr>
-            <a:spLocks noGrp="1"/>
-          </p:cNvSpPr>
-          <p:nvPr>
-            <p:ph type="title"/>
-          </p:nvPr>
-        </p:nvSpPr>
-        <p:spPr/>
-        <p:txBody>
-          <a:bodyPr>
-            <a:normAutofit/>
-          </a:bodyPr>
-          <a:lstStyle/>
-          <a:p>
-            <a:r>
-              <a:rPr lang="nl-NL" dirty="0"/>
-              <a:t>Structuur</a:t>
-            </a:r>
-          </a:p>
-        </p:txBody>
-      </p:sp>
-      <p:sp>
-        <p:nvSpPr>
-          <p:cNvPr id="3" name="Content Placeholder 2">
-            <a:extLst>
-              <a:ext uri="{FF2B5EF4-FFF2-40B4-BE49-F238E27FC236}">
-                <a16:creationId xmlns:a16="http://schemas.microsoft.com/office/drawing/2014/main" id="{05011CCB-3AFB-CD11-528F-D68CF1C187F1}"/>
-              </a:ext>
-            </a:extLst>
-          </p:cNvPr>
-          <p:cNvSpPr>
-            <a:spLocks noGrp="1"/>
-          </p:cNvSpPr>
-          <p:nvPr>
-            <p:ph idx="1"/>
-          </p:nvPr>
-        </p:nvSpPr>
-        <p:spPr/>
-        <p:txBody>
-          <a:bodyPr/>
-          <a:lstStyle/>
-          <a:p>
-            <a:r>
-              <a:rPr lang="nl-NL" dirty="0"/>
-              <a:t>Hoe structureer je je project</a:t>
-            </a:r>
-          </a:p>
-          <a:p>
-            <a:r>
-              <a:rPr lang="nl-NL" dirty="0"/>
-              <a:t>Voorbeeld een website van een bakker</a:t>
-            </a:r>
-          </a:p>
-          <a:p>
-            <a:r>
-              <a:rPr lang="nl-NL" dirty="0"/>
-              <a:t>Public folder</a:t>
-            </a:r>
-          </a:p>
-          <a:p>
-            <a:r>
-              <a:rPr lang="nl-NL" dirty="0"/>
-              <a:t>Source folder</a:t>
-            </a:r>
-          </a:p>
-          <a:p>
-            <a:r>
-              <a:rPr lang="nl-NL" dirty="0"/>
-              <a:t>Functions</a:t>
-            </a:r>
-          </a:p>
-        </p:txBody>
-      </p:sp>
-    </p:spTree>
-    <p:extLst>
-      <p:ext uri="{BB962C8B-B14F-4D97-AF65-F5344CB8AC3E}">
-        <p14:creationId xmlns:p14="http://schemas.microsoft.com/office/powerpoint/2010/main" val="2280464665"/>
-      </p:ext>
-    </p:extLst>
-  </p:cSld>
-  <p:clrMapOvr>
-    <a:masterClrMapping/>
-  </p:clrMapOvr>
-</p:sld>
-</file>
-
-<file path=ppt/slides/slide4.xml><?xml version="1.0" encoding="utf-8"?>
-<p:sld xmlns:a="http://schemas.openxmlformats.org/drawingml/2006/main" xmlns:r="http://schemas.openxmlformats.org/officeDocument/2006/relationships" xmlns:p="http://schemas.openxmlformats.org/presentationml/2006/main">
-  <p:cSld>
-    <p:spTree>
-      <p:nvGrpSpPr>
-        <p:cNvPr id="1" name="">
-          <a:extLst>
-            <a:ext uri="{FF2B5EF4-FFF2-40B4-BE49-F238E27FC236}">
-              <a16:creationId xmlns:a16="http://schemas.microsoft.com/office/drawing/2014/main" id="{173A385D-8A0F-A22C-492B-495132299C81}"/>
-            </a:ext>
-          </a:extLst>
-        </p:cNvPr>
-        <p:cNvGrpSpPr/>
-        <p:nvPr/>
-      </p:nvGrpSpPr>
-      <p:grpSpPr>
-        <a:xfrm>
-          <a:off x="0" y="0"/>
-          <a:ext cx="0" cy="0"/>
-          <a:chOff x="0" y="0"/>
-          <a:chExt cx="0" cy="0"/>
-        </a:xfrm>
-      </p:grpSpPr>
-      <p:sp>
-        <p:nvSpPr>
-          <p:cNvPr id="2" name="Title 1">
-            <a:extLst>
-              <a:ext uri="{FF2B5EF4-FFF2-40B4-BE49-F238E27FC236}">
-                <a16:creationId xmlns:a16="http://schemas.microsoft.com/office/drawing/2014/main" id="{CA8DA479-B7A6-DB1A-6B8A-9B8081B02345}"/>
-              </a:ext>
-            </a:extLst>
-          </p:cNvPr>
-          <p:cNvSpPr>
-            <a:spLocks noGrp="1"/>
-          </p:cNvSpPr>
-          <p:nvPr>
-            <p:ph type="title"/>
-          </p:nvPr>
-        </p:nvSpPr>
-        <p:spPr/>
-        <p:txBody>
-          <a:bodyPr>
-            <a:normAutofit/>
-          </a:bodyPr>
-          <a:lstStyle/>
-          <a:p>
-            <a:r>
-              <a:rPr lang="nl-NL" dirty="0"/>
-              <a:t>PHP afsluiten</a:t>
-            </a:r>
-          </a:p>
-        </p:txBody>
-      </p:sp>
-      <p:sp>
-        <p:nvSpPr>
-          <p:cNvPr id="3" name="Content Placeholder 2">
-            <a:extLst>
-              <a:ext uri="{FF2B5EF4-FFF2-40B4-BE49-F238E27FC236}">
-                <a16:creationId xmlns:a16="http://schemas.microsoft.com/office/drawing/2014/main" id="{AF5BCC5D-1878-807A-5010-046DE229718B}"/>
-              </a:ext>
-            </a:extLst>
-          </p:cNvPr>
-          <p:cNvSpPr>
-            <a:spLocks noGrp="1"/>
-          </p:cNvSpPr>
-          <p:nvPr>
-            <p:ph idx="1"/>
-          </p:nvPr>
-        </p:nvSpPr>
-        <p:spPr/>
-        <p:txBody>
-          <a:bodyPr/>
-          <a:lstStyle/>
-          <a:p>
-            <a:r>
-              <a:rPr lang="nl-NL" dirty="0"/>
-              <a:t>In of buiten de html?</a:t>
-            </a:r>
-          </a:p>
-          <a:p>
-            <a:pPr lvl="1"/>
-            <a:r>
-              <a:rPr lang="nl-NL" dirty="0"/>
-              <a:t>API</a:t>
-            </a:r>
-          </a:p>
-          <a:p>
-            <a:pPr lvl="1"/>
-            <a:r>
-              <a:rPr lang="nl-NL" dirty="0"/>
-              <a:t>View</a:t>
-            </a:r>
-          </a:p>
-          <a:p>
-            <a:pPr lvl="1"/>
-            <a:r>
-              <a:rPr lang="nl-NL" dirty="0"/>
-              <a:t>Body</a:t>
-            </a:r>
-          </a:p>
-        </p:txBody>
-      </p:sp>
-      <p:pic>
-        <p:nvPicPr>
-          <p:cNvPr id="5" name="Picture 4">
-            <a:extLst>
-              <a:ext uri="{FF2B5EF4-FFF2-40B4-BE49-F238E27FC236}">
-                <a16:creationId xmlns:a16="http://schemas.microsoft.com/office/drawing/2014/main" id="{F88DC8C3-85B9-4D26-1552-4217D160CB86}"/>
-              </a:ext>
-            </a:extLst>
-          </p:cNvPr>
-          <p:cNvPicPr>
-            <a:picLocks noChangeAspect="1"/>
-          </p:cNvPicPr>
-          <p:nvPr/>
-        </p:nvPicPr>
-        <p:blipFill>
-          <a:blip r:embed="rId2"/>
-          <a:stretch>
-            <a:fillRect/>
-          </a:stretch>
-        </p:blipFill>
-        <p:spPr>
-          <a:xfrm>
-            <a:off x="-234870" y="3429000"/>
-            <a:ext cx="7362605" cy="2161627"/>
-          </a:xfrm>
-          <a:prstGeom prst="rect">
-            <a:avLst/>
-          </a:prstGeom>
-        </p:spPr>
-      </p:pic>
-      <p:pic>
-        <p:nvPicPr>
-          <p:cNvPr id="7" name="Picture 6">
-            <a:extLst>
-              <a:ext uri="{FF2B5EF4-FFF2-40B4-BE49-F238E27FC236}">
-                <a16:creationId xmlns:a16="http://schemas.microsoft.com/office/drawing/2014/main" id="{64F70A36-CCC1-D3DB-F84F-2C336CF859C9}"/>
-              </a:ext>
-            </a:extLst>
-          </p:cNvPr>
-          <p:cNvPicPr>
-            <a:picLocks noChangeAspect="1"/>
-          </p:cNvPicPr>
-          <p:nvPr/>
-        </p:nvPicPr>
-        <p:blipFill>
-          <a:blip r:embed="rId3"/>
-          <a:stretch>
-            <a:fillRect/>
-          </a:stretch>
-        </p:blipFill>
-        <p:spPr>
-          <a:xfrm>
-            <a:off x="6582058" y="3111038"/>
-            <a:ext cx="6326949" cy="2702270"/>
-          </a:xfrm>
-          <a:prstGeom prst="rect">
-            <a:avLst/>
-          </a:prstGeom>
-        </p:spPr>
-      </p:pic>
-    </p:spTree>
-    <p:extLst>
-      <p:ext uri="{BB962C8B-B14F-4D97-AF65-F5344CB8AC3E}">
-        <p14:creationId xmlns:p14="http://schemas.microsoft.com/office/powerpoint/2010/main" val="2023169900"/>
-      </p:ext>
-    </p:extLst>
-  </p:cSld>
-  <p:clrMapOvr>
-    <a:masterClrMapping/>
-  </p:clrMapOvr>
-</p:sld>
-</file>
-
-<file path=ppt/slides/slide5.xml><?xml version="1.0" encoding="utf-8"?>
-<p:sld xmlns:a="http://schemas.openxmlformats.org/drawingml/2006/main" xmlns:r="http://schemas.openxmlformats.org/officeDocument/2006/relationships" xmlns:p="http://schemas.openxmlformats.org/presentationml/2006/main">
-  <p:cSld>
-    <p:spTree>
-      <p:nvGrpSpPr>
-        <p:cNvPr id="1" name="">
-          <a:extLst>
-            <a:ext uri="{FF2B5EF4-FFF2-40B4-BE49-F238E27FC236}">
-              <a16:creationId xmlns:a16="http://schemas.microsoft.com/office/drawing/2014/main" id="{283F1383-6C0C-BD71-1D02-FAF1E8AC384F}"/>
-            </a:ext>
-          </a:extLst>
-        </p:cNvPr>
-        <p:cNvGrpSpPr/>
-        <p:nvPr/>
-      </p:nvGrpSpPr>
-      <p:grpSpPr>
-        <a:xfrm>
-          <a:off x="0" y="0"/>
-          <a:ext cx="0" cy="0"/>
-          <a:chOff x="0" y="0"/>
-          <a:chExt cx="0" cy="0"/>
-        </a:xfrm>
-      </p:grpSpPr>
-      <p:sp>
-        <p:nvSpPr>
-          <p:cNvPr id="2" name="Title 1">
-            <a:extLst>
-              <a:ext uri="{FF2B5EF4-FFF2-40B4-BE49-F238E27FC236}">
-                <a16:creationId xmlns:a16="http://schemas.microsoft.com/office/drawing/2014/main" id="{DF6A2C08-20A9-A265-8302-CBCE4D01C41D}"/>
-              </a:ext>
-            </a:extLst>
-          </p:cNvPr>
-          <p:cNvSpPr>
-            <a:spLocks noGrp="1"/>
-          </p:cNvSpPr>
-          <p:nvPr>
-            <p:ph type="title"/>
-          </p:nvPr>
-        </p:nvSpPr>
-        <p:spPr/>
-        <p:txBody>
-          <a:bodyPr>
-            <a:normAutofit/>
-          </a:bodyPr>
-          <a:lstStyle/>
-          <a:p>
-            <a:r>
-              <a:rPr lang="nl-NL" dirty="0"/>
-              <a:t>Onderdelen</a:t>
-            </a:r>
-          </a:p>
-        </p:txBody>
-      </p:sp>
-      <p:sp>
-        <p:nvSpPr>
-          <p:cNvPr id="3" name="Content Placeholder 2">
-            <a:extLst>
-              <a:ext uri="{FF2B5EF4-FFF2-40B4-BE49-F238E27FC236}">
-                <a16:creationId xmlns:a16="http://schemas.microsoft.com/office/drawing/2014/main" id="{F16DF147-FB70-9A6E-88F4-A747F6B1BCF1}"/>
-              </a:ext>
-            </a:extLst>
-          </p:cNvPr>
-          <p:cNvSpPr>
-            <a:spLocks noGrp="1"/>
-          </p:cNvSpPr>
-          <p:nvPr>
-            <p:ph idx="1"/>
-          </p:nvPr>
-        </p:nvSpPr>
-        <p:spPr/>
-        <p:txBody>
-          <a:bodyPr>
-            <a:normAutofit fontScale="92500" lnSpcReduction="20000"/>
-          </a:bodyPr>
-          <a:lstStyle/>
-          <a:p>
-            <a:r>
-              <a:rPr lang="nl-NL" dirty="0" err="1"/>
-              <a:t>DockBlocks</a:t>
-            </a:r>
-            <a:endParaRPr lang="nl-NL" dirty="0"/>
-          </a:p>
-          <a:p>
-            <a:pPr lvl="1"/>
-            <a:r>
-              <a:rPr lang="nl-NL" dirty="0"/>
-              <a:t>https://docs.phpdoc.org/3.0/guide/getting-started/what-is-a-docblock.html</a:t>
-            </a:r>
-          </a:p>
-          <a:p>
-            <a:r>
-              <a:rPr lang="nl-NL" dirty="0"/>
-              <a:t>Folder indeling</a:t>
-            </a:r>
-          </a:p>
-          <a:p>
-            <a:pPr lvl="1"/>
-            <a:r>
-              <a:rPr lang="nl-NL" dirty="0"/>
-              <a:t>Organiseer je code</a:t>
-            </a:r>
-          </a:p>
-          <a:p>
-            <a:r>
-              <a:rPr lang="nl-NL" dirty="0"/>
-              <a:t>Publieke folder</a:t>
-            </a:r>
-          </a:p>
-          <a:p>
-            <a:pPr lvl="1"/>
-            <a:r>
-              <a:rPr lang="nl-NL" dirty="0"/>
-              <a:t>Toegang vanuit het web</a:t>
-            </a:r>
-          </a:p>
-          <a:p>
-            <a:pPr lvl="1"/>
-            <a:r>
-              <a:rPr lang="nl-NL" dirty="0"/>
-              <a:t>Kwetsbaar</a:t>
-            </a:r>
-          </a:p>
-          <a:p>
-            <a:r>
-              <a:rPr lang="nl-NL" dirty="0"/>
-              <a:t>Functions / Classes</a:t>
-            </a:r>
-          </a:p>
-          <a:p>
-            <a:pPr lvl="1"/>
-            <a:r>
-              <a:rPr lang="nl-NL" dirty="0"/>
-              <a:t>Code indeling</a:t>
-            </a:r>
-          </a:p>
-          <a:p>
-            <a:pPr lvl="1"/>
-            <a:r>
-              <a:rPr lang="nl-NL" dirty="0"/>
-              <a:t>Herbruikbaarheid</a:t>
-            </a:r>
-          </a:p>
-          <a:p>
-            <a:r>
-              <a:rPr lang="nl-NL" dirty="0" err="1"/>
-              <a:t>Config</a:t>
-            </a:r>
-            <a:endParaRPr lang="nl-NL" dirty="0"/>
-          </a:p>
-          <a:p>
-            <a:pPr lvl="1"/>
-            <a:r>
-              <a:rPr lang="nl-NL" dirty="0"/>
-              <a:t>Los, niet in de code</a:t>
-            </a:r>
-          </a:p>
-        </p:txBody>
-      </p:sp>
-    </p:spTree>
-    <p:extLst>
-      <p:ext uri="{BB962C8B-B14F-4D97-AF65-F5344CB8AC3E}">
-        <p14:creationId xmlns:p14="http://schemas.microsoft.com/office/powerpoint/2010/main" val="2035637063"/>
-      </p:ext>
-    </p:extLst>
-  </p:cSld>
-  <p:clrMapOvr>
-    <a:masterClrMapping/>
-  </p:clrMapOvr>
-</p:sld>
-</file>
-
-<file path=ppt/slides/slide6.xml><?xml version="1.0" encoding="utf-8"?>
-<p:sld xmlns:a="http://schemas.openxmlformats.org/drawingml/2006/main" xmlns:r="http://schemas.openxmlformats.org/officeDocument/2006/relationships" xmlns:p="http://schemas.openxmlformats.org/presentationml/2006/main">
-  <p:cSld>
-    <p:spTree>
-      <p:nvGrpSpPr>
-        <p:cNvPr id="1" name="">
-          <a:extLst>
-            <a:ext uri="{FF2B5EF4-FFF2-40B4-BE49-F238E27FC236}">
-              <a16:creationId xmlns:a16="http://schemas.microsoft.com/office/drawing/2014/main" id="{8F2180F6-5858-951E-79AD-196E78E68BD8}"/>
-            </a:ext>
-          </a:extLst>
-        </p:cNvPr>
-        <p:cNvGrpSpPr/>
-        <p:nvPr/>
-      </p:nvGrpSpPr>
-      <p:grpSpPr>
-        <a:xfrm>
-          <a:off x="0" y="0"/>
-          <a:ext cx="0" cy="0"/>
-          <a:chOff x="0" y="0"/>
-          <a:chExt cx="0" cy="0"/>
-        </a:xfrm>
-      </p:grpSpPr>
-      <p:sp>
-        <p:nvSpPr>
-          <p:cNvPr id="2" name="Title 1">
-            <a:extLst>
-              <a:ext uri="{FF2B5EF4-FFF2-40B4-BE49-F238E27FC236}">
-                <a16:creationId xmlns:a16="http://schemas.microsoft.com/office/drawing/2014/main" id="{2B70A6F6-8FBD-325D-FAD1-617339C6791E}"/>
-              </a:ext>
-            </a:extLst>
-          </p:cNvPr>
-          <p:cNvSpPr>
-            <a:spLocks noGrp="1"/>
-          </p:cNvSpPr>
-          <p:nvPr>
-            <p:ph type="title"/>
-          </p:nvPr>
-        </p:nvSpPr>
-        <p:spPr/>
-        <p:txBody>
-          <a:bodyPr>
-            <a:normAutofit/>
-          </a:bodyPr>
-          <a:lstStyle/>
-          <a:p>
-            <a:r>
-              <a:rPr lang="nl-NL" dirty="0"/>
-              <a:t>Public VS server side</a:t>
-            </a:r>
-          </a:p>
-        </p:txBody>
-      </p:sp>
-      <p:sp>
-        <p:nvSpPr>
-          <p:cNvPr id="3" name="Content Placeholder 2">
-            <a:extLst>
-              <a:ext uri="{FF2B5EF4-FFF2-40B4-BE49-F238E27FC236}">
-                <a16:creationId xmlns:a16="http://schemas.microsoft.com/office/drawing/2014/main" id="{E2ACD22B-D370-E495-1317-9423FE94D589}"/>
-              </a:ext>
-            </a:extLst>
-          </p:cNvPr>
-          <p:cNvSpPr>
-            <a:spLocks noGrp="1"/>
-          </p:cNvSpPr>
-          <p:nvPr>
-            <p:ph idx="1"/>
-          </p:nvPr>
-        </p:nvSpPr>
-        <p:spPr/>
-        <p:txBody>
-          <a:bodyPr>
-            <a:normAutofit/>
-          </a:bodyPr>
-          <a:lstStyle/>
-          <a:p>
-            <a:r>
-              <a:rPr lang="nl-NL" dirty="0"/>
-              <a:t>Public staat in je server side map van je applicatie</a:t>
-            </a:r>
-          </a:p>
-          <a:p>
-            <a:r>
-              <a:rPr lang="nl-NL" dirty="0"/>
-              <a:t>In de server side map staat:</a:t>
-            </a:r>
-          </a:p>
-          <a:p>
-            <a:pPr lvl="1"/>
-            <a:r>
-              <a:rPr lang="nl-NL" dirty="0"/>
-              <a:t>Extra source (die niet tot een pagina </a:t>
-            </a:r>
-            <a:r>
-              <a:rPr lang="nl-NL" dirty="0" err="1"/>
-              <a:t>rendered</a:t>
-            </a:r>
-            <a:r>
-              <a:rPr lang="nl-NL" dirty="0"/>
-              <a:t>)</a:t>
-            </a:r>
-          </a:p>
-          <a:p>
-            <a:pPr lvl="2"/>
-            <a:r>
-              <a:rPr lang="nl-NL" dirty="0"/>
-              <a:t> </a:t>
-            </a:r>
-            <a:r>
-              <a:rPr lang="nl-NL" dirty="0" err="1"/>
-              <a:t>libraries</a:t>
-            </a:r>
-            <a:endParaRPr lang="nl-NL" dirty="0"/>
-          </a:p>
-          <a:p>
-            <a:pPr lvl="2"/>
-            <a:r>
-              <a:rPr lang="nl-NL" dirty="0"/>
-              <a:t>Database code</a:t>
-            </a:r>
-          </a:p>
-          <a:p>
-            <a:pPr lvl="2"/>
-            <a:r>
-              <a:rPr lang="nl-NL" dirty="0" err="1"/>
-              <a:t>Models</a:t>
-            </a:r>
-            <a:endParaRPr lang="nl-NL" dirty="0"/>
-          </a:p>
-          <a:p>
-            <a:pPr lvl="2"/>
-            <a:r>
-              <a:rPr lang="nl-NL" dirty="0" err="1"/>
-              <a:t>Etc</a:t>
-            </a:r>
-            <a:endParaRPr lang="nl-NL" dirty="0"/>
-          </a:p>
-          <a:p>
-            <a:pPr lvl="1"/>
-            <a:r>
-              <a:rPr lang="nl-NL" dirty="0"/>
-              <a:t>configuratie</a:t>
-            </a:r>
-          </a:p>
-          <a:p>
-            <a:pPr lvl="1"/>
-            <a:r>
-              <a:rPr lang="nl-NL" dirty="0"/>
-              <a:t>Alles wat WEL nodig is MAAR niet direct via het web benaderd mag worden</a:t>
-            </a:r>
-          </a:p>
-        </p:txBody>
-      </p:sp>
-    </p:spTree>
-    <p:extLst>
-      <p:ext uri="{BB962C8B-B14F-4D97-AF65-F5344CB8AC3E}">
-        <p14:creationId xmlns:p14="http://schemas.microsoft.com/office/powerpoint/2010/main" val="274033116"/>
-      </p:ext>
-    </p:extLst>
-  </p:cSld>
-  <p:clrMapOvr>
-    <a:masterClrMapping/>
-  </p:clrMapOvr>
-</p:sld>
-</file>
-
-<file path=ppt/slides/slide7.xml><?xml version="1.0" encoding="utf-8"?>
+<file path=ppt/slides/slide10.xml><?xml version="1.0" encoding="utf-8"?>
 <p:sld xmlns:a="http://schemas.openxmlformats.org/drawingml/2006/main" xmlns:r="http://schemas.openxmlformats.org/officeDocument/2006/relationships" xmlns:p="http://schemas.openxmlformats.org/presentationml/2006/main">
   <p:cSld>
     <p:spTree>
@@ -5274,7 +4274,192 @@
 </p:sld>
 </file>
 
-<file path=ppt/slides/slide8.xml><?xml version="1.0" encoding="utf-8"?>
+<file path=ppt/slides/slide11.xml><?xml version="1.0" encoding="utf-8"?>
+<p:sld xmlns:a="http://schemas.openxmlformats.org/drawingml/2006/main" xmlns:r="http://schemas.openxmlformats.org/officeDocument/2006/relationships" xmlns:p="http://schemas.openxmlformats.org/presentationml/2006/main">
+  <p:cSld>
+    <p:spTree>
+      <p:nvGrpSpPr>
+        <p:cNvPr id="1" name="">
+          <a:extLst>
+            <a:ext uri="{FF2B5EF4-FFF2-40B4-BE49-F238E27FC236}">
+              <a16:creationId xmlns:a16="http://schemas.microsoft.com/office/drawing/2014/main" id="{81F4347F-3F89-72DA-0CD0-32AB4E8ABB4E}"/>
+            </a:ext>
+          </a:extLst>
+        </p:cNvPr>
+        <p:cNvGrpSpPr/>
+        <p:nvPr/>
+      </p:nvGrpSpPr>
+      <p:grpSpPr>
+        <a:xfrm>
+          <a:off x="0" y="0"/>
+          <a:ext cx="0" cy="0"/>
+          <a:chOff x="0" y="0"/>
+          <a:chExt cx="0" cy="0"/>
+        </a:xfrm>
+      </p:grpSpPr>
+      <p:sp>
+        <p:nvSpPr>
+          <p:cNvPr id="2" name="Title 1">
+            <a:extLst>
+              <a:ext uri="{FF2B5EF4-FFF2-40B4-BE49-F238E27FC236}">
+                <a16:creationId xmlns:a16="http://schemas.microsoft.com/office/drawing/2014/main" id="{C0A129A9-A026-4611-9B27-7EF132244713}"/>
+              </a:ext>
+            </a:extLst>
+          </p:cNvPr>
+          <p:cNvSpPr>
+            <a:spLocks noGrp="1"/>
+          </p:cNvSpPr>
+          <p:nvPr>
+            <p:ph type="title"/>
+          </p:nvPr>
+        </p:nvSpPr>
+        <p:spPr/>
+        <p:txBody>
+          <a:bodyPr>
+            <a:normAutofit/>
+          </a:bodyPr>
+          <a:lstStyle/>
+          <a:p>
+            <a:r>
+              <a:rPr lang="nl-NL" dirty="0"/>
+              <a:t>Voorbeeld een website van een bakker</a:t>
+            </a:r>
+          </a:p>
+        </p:txBody>
+      </p:sp>
+      <p:sp>
+        <p:nvSpPr>
+          <p:cNvPr id="3" name="Content Placeholder 2">
+            <a:extLst>
+              <a:ext uri="{FF2B5EF4-FFF2-40B4-BE49-F238E27FC236}">
+                <a16:creationId xmlns:a16="http://schemas.microsoft.com/office/drawing/2014/main" id="{7652B821-F318-38A9-304E-ECF1B1E06892}"/>
+              </a:ext>
+            </a:extLst>
+          </p:cNvPr>
+          <p:cNvSpPr>
+            <a:spLocks noGrp="1"/>
+          </p:cNvSpPr>
+          <p:nvPr>
+            <p:ph idx="1"/>
+          </p:nvPr>
+        </p:nvSpPr>
+        <p:spPr>
+          <a:xfrm>
+            <a:off x="838200" y="1825625"/>
+            <a:ext cx="6821032" cy="4351338"/>
+          </a:xfrm>
+        </p:spPr>
+        <p:txBody>
+          <a:bodyPr>
+            <a:normAutofit/>
+          </a:bodyPr>
+          <a:lstStyle/>
+          <a:p>
+            <a:r>
+              <a:rPr lang="nl-NL" dirty="0"/>
+              <a:t>Demo</a:t>
+            </a:r>
+          </a:p>
+          <a:p>
+            <a:pPr lvl="1"/>
+            <a:r>
+              <a:rPr lang="nl-NL" dirty="0" err="1"/>
+              <a:t>docker</a:t>
+            </a:r>
+            <a:endParaRPr lang="nl-NL" dirty="0"/>
+          </a:p>
+          <a:p>
+            <a:pPr lvl="1"/>
+            <a:r>
+              <a:rPr lang="nl-NL" dirty="0"/>
+              <a:t>Public</a:t>
+            </a:r>
+          </a:p>
+          <a:p>
+            <a:pPr lvl="1"/>
+            <a:r>
+              <a:rPr lang="nl-NL" dirty="0"/>
+              <a:t>Assets</a:t>
+            </a:r>
+          </a:p>
+          <a:p>
+            <a:pPr lvl="2"/>
+            <a:r>
+              <a:rPr lang="nl-NL" dirty="0"/>
+              <a:t>Images</a:t>
+            </a:r>
+          </a:p>
+          <a:p>
+            <a:pPr lvl="2"/>
+            <a:r>
+              <a:rPr lang="nl-NL" dirty="0" err="1"/>
+              <a:t>Css</a:t>
+            </a:r>
+            <a:endParaRPr lang="nl-NL" dirty="0"/>
+          </a:p>
+          <a:p>
+            <a:pPr lvl="1"/>
+            <a:r>
+              <a:rPr lang="nl-NL" dirty="0"/>
+              <a:t>Source</a:t>
+            </a:r>
+          </a:p>
+          <a:p>
+            <a:pPr lvl="1"/>
+            <a:r>
+              <a:rPr lang="nl-NL" dirty="0"/>
+              <a:t>views</a:t>
+            </a:r>
+          </a:p>
+          <a:p>
+            <a:endParaRPr lang="nl-NL" dirty="0"/>
+          </a:p>
+        </p:txBody>
+      </p:sp>
+      <p:pic>
+        <p:nvPicPr>
+          <p:cNvPr id="8" name="Picture 7">
+            <a:extLst>
+              <a:ext uri="{FF2B5EF4-FFF2-40B4-BE49-F238E27FC236}">
+                <a16:creationId xmlns:a16="http://schemas.microsoft.com/office/drawing/2014/main" id="{0E381DDF-686C-2B79-EB93-87B7A5FDDD12}"/>
+              </a:ext>
+            </a:extLst>
+          </p:cNvPr>
+          <p:cNvPicPr>
+            <a:picLocks noChangeAspect="1"/>
+          </p:cNvPicPr>
+          <p:nvPr/>
+        </p:nvPicPr>
+        <p:blipFill>
+          <a:blip r:embed="rId2"/>
+          <a:stretch>
+            <a:fillRect/>
+          </a:stretch>
+        </p:blipFill>
+        <p:spPr>
+          <a:xfrm>
+            <a:off x="6292312" y="1577169"/>
+            <a:ext cx="5474130" cy="4915706"/>
+          </a:xfrm>
+          <a:prstGeom prst="rect">
+            <a:avLst/>
+          </a:prstGeom>
+        </p:spPr>
+      </p:pic>
+    </p:spTree>
+    <p:extLst>
+      <p:ext uri="{BB962C8B-B14F-4D97-AF65-F5344CB8AC3E}">
+        <p14:creationId xmlns:p14="http://schemas.microsoft.com/office/powerpoint/2010/main" val="1476945259"/>
+      </p:ext>
+    </p:extLst>
+  </p:cSld>
+  <p:clrMapOvr>
+    <a:masterClrMapping/>
+  </p:clrMapOvr>
+</p:sld>
+</file>
+
+<file path=ppt/slides/slide12.xml><?xml version="1.0" encoding="utf-8"?>
 <p:sld xmlns:a="http://schemas.openxmlformats.org/drawingml/2006/main" xmlns:r="http://schemas.openxmlformats.org/officeDocument/2006/relationships" xmlns:p="http://schemas.openxmlformats.org/presentationml/2006/main">
   <p:cSld>
     <p:spTree>
@@ -5370,7 +4555,7 @@
 </p:sld>
 </file>
 
-<file path=ppt/slides/slide9.xml><?xml version="1.0" encoding="utf-8"?>
+<file path=ppt/slides/slide13.xml><?xml version="1.0" encoding="utf-8"?>
 <p:sld xmlns:a="http://schemas.openxmlformats.org/drawingml/2006/main" xmlns:r="http://schemas.openxmlformats.org/officeDocument/2006/relationships" xmlns:p="http://schemas.openxmlformats.org/presentationml/2006/main">
   <p:cSld>
     <p:spTree>
@@ -5502,6 +4687,1273 @@
     <p:extLst>
       <p:ext uri="{BB962C8B-B14F-4D97-AF65-F5344CB8AC3E}">
         <p14:creationId xmlns:p14="http://schemas.microsoft.com/office/powerpoint/2010/main" val="2731957848"/>
+      </p:ext>
+    </p:extLst>
+  </p:cSld>
+  <p:clrMapOvr>
+    <a:masterClrMapping/>
+  </p:clrMapOvr>
+</p:sld>
+</file>
+
+<file path=ppt/slides/slide2.xml><?xml version="1.0" encoding="utf-8"?>
+<p:sld xmlns:a="http://schemas.openxmlformats.org/drawingml/2006/main" xmlns:r="http://schemas.openxmlformats.org/officeDocument/2006/relationships" xmlns:p="http://schemas.openxmlformats.org/presentationml/2006/main">
+  <p:cSld>
+    <p:spTree>
+      <p:nvGrpSpPr>
+        <p:cNvPr id="1" name=""/>
+        <p:cNvGrpSpPr/>
+        <p:nvPr/>
+      </p:nvGrpSpPr>
+      <p:grpSpPr>
+        <a:xfrm>
+          <a:off x="0" y="0"/>
+          <a:ext cx="0" cy="0"/>
+          <a:chOff x="0" y="0"/>
+          <a:chExt cx="0" cy="0"/>
+        </a:xfrm>
+      </p:grpSpPr>
+      <p:sp>
+        <p:nvSpPr>
+          <p:cNvPr id="2" name="Title 1">
+            <a:extLst>
+              <a:ext uri="{FF2B5EF4-FFF2-40B4-BE49-F238E27FC236}">
+                <a16:creationId xmlns:a16="http://schemas.microsoft.com/office/drawing/2014/main" id="{D9918918-CB21-3885-D7EE-E41036AD7DA7}"/>
+              </a:ext>
+            </a:extLst>
+          </p:cNvPr>
+          <p:cNvSpPr>
+            <a:spLocks noGrp="1"/>
+          </p:cNvSpPr>
+          <p:nvPr>
+            <p:ph type="title"/>
+          </p:nvPr>
+        </p:nvSpPr>
+        <p:spPr/>
+        <p:txBody>
+          <a:bodyPr/>
+          <a:lstStyle/>
+          <a:p>
+            <a:r>
+              <a:rPr lang="nl-NL" dirty="0"/>
+              <a:t>Inhoud</a:t>
+            </a:r>
+            <a:br>
+              <a:rPr lang="nl-NL" dirty="0"/>
+            </a:br>
+            <a:endParaRPr lang="nl-NL" dirty="0"/>
+          </a:p>
+        </p:txBody>
+      </p:sp>
+      <p:sp>
+        <p:nvSpPr>
+          <p:cNvPr id="3" name="Content Placeholder 2">
+            <a:extLst>
+              <a:ext uri="{FF2B5EF4-FFF2-40B4-BE49-F238E27FC236}">
+                <a16:creationId xmlns:a16="http://schemas.microsoft.com/office/drawing/2014/main" id="{F75A7A74-492B-9A1D-82F0-8C08682F8B2D}"/>
+              </a:ext>
+            </a:extLst>
+          </p:cNvPr>
+          <p:cNvSpPr>
+            <a:spLocks noGrp="1"/>
+          </p:cNvSpPr>
+          <p:nvPr>
+            <p:ph idx="1"/>
+          </p:nvPr>
+        </p:nvSpPr>
+        <p:spPr/>
+        <p:txBody>
+          <a:bodyPr/>
+          <a:lstStyle/>
+          <a:p>
+            <a:r>
+              <a:rPr lang="nl-NL" dirty="0"/>
+              <a:t>Bootstrap</a:t>
+            </a:r>
+          </a:p>
+          <a:p>
+            <a:r>
+              <a:rPr lang="nl-NL" dirty="0"/>
+              <a:t>Structuur</a:t>
+            </a:r>
+          </a:p>
+          <a:p>
+            <a:r>
+              <a:rPr lang="nl-NL" dirty="0"/>
+              <a:t>Afsluiten van </a:t>
+            </a:r>
+            <a:r>
+              <a:rPr lang="nl-NL" dirty="0" err="1"/>
+              <a:t>php</a:t>
+            </a:r>
+            <a:r>
+              <a:rPr lang="nl-NL" dirty="0"/>
+              <a:t> tag</a:t>
+            </a:r>
+          </a:p>
+          <a:p>
+            <a:r>
+              <a:rPr lang="nl-NL" dirty="0"/>
+              <a:t>Onderdelen website</a:t>
+            </a:r>
+          </a:p>
+          <a:p>
+            <a:r>
+              <a:rPr lang="nl-NL" dirty="0"/>
+              <a:t>Van HTML naar Database</a:t>
+            </a:r>
+          </a:p>
+        </p:txBody>
+      </p:sp>
+    </p:spTree>
+    <p:extLst>
+      <p:ext uri="{BB962C8B-B14F-4D97-AF65-F5344CB8AC3E}">
+        <p14:creationId xmlns:p14="http://schemas.microsoft.com/office/powerpoint/2010/main" val="3642134840"/>
+      </p:ext>
+    </p:extLst>
+  </p:cSld>
+  <p:clrMapOvr>
+    <a:masterClrMapping/>
+  </p:clrMapOvr>
+</p:sld>
+</file>
+
+<file path=ppt/slides/slide3.xml><?xml version="1.0" encoding="utf-8"?>
+<p:sld xmlns:a="http://schemas.openxmlformats.org/drawingml/2006/main" xmlns:r="http://schemas.openxmlformats.org/officeDocument/2006/relationships" xmlns:p="http://schemas.openxmlformats.org/presentationml/2006/main">
+  <p:cSld>
+    <p:spTree>
+      <p:nvGrpSpPr>
+        <p:cNvPr id="1" name="">
+          <a:extLst>
+            <a:ext uri="{FF2B5EF4-FFF2-40B4-BE49-F238E27FC236}">
+              <a16:creationId xmlns:a16="http://schemas.microsoft.com/office/drawing/2014/main" id="{8DCEECE4-6427-7AF9-E83D-20DB9537EE3A}"/>
+            </a:ext>
+          </a:extLst>
+        </p:cNvPr>
+        <p:cNvGrpSpPr/>
+        <p:nvPr/>
+      </p:nvGrpSpPr>
+      <p:grpSpPr>
+        <a:xfrm>
+          <a:off x="0" y="0"/>
+          <a:ext cx="0" cy="0"/>
+          <a:chOff x="0" y="0"/>
+          <a:chExt cx="0" cy="0"/>
+        </a:xfrm>
+      </p:grpSpPr>
+      <p:sp>
+        <p:nvSpPr>
+          <p:cNvPr id="2" name="Title 1">
+            <a:extLst>
+              <a:ext uri="{FF2B5EF4-FFF2-40B4-BE49-F238E27FC236}">
+                <a16:creationId xmlns:a16="http://schemas.microsoft.com/office/drawing/2014/main" id="{715DA5FF-B637-B597-65FF-DD0FC4E0F5C2}"/>
+              </a:ext>
+            </a:extLst>
+          </p:cNvPr>
+          <p:cNvSpPr>
+            <a:spLocks noGrp="1"/>
+          </p:cNvSpPr>
+          <p:nvPr>
+            <p:ph type="title"/>
+          </p:nvPr>
+        </p:nvSpPr>
+        <p:spPr/>
+        <p:txBody>
+          <a:bodyPr/>
+          <a:lstStyle/>
+          <a:p>
+            <a:r>
+              <a:rPr lang="nl-NL" dirty="0"/>
+              <a:t>Bootstrap</a:t>
+            </a:r>
+            <a:br>
+              <a:rPr lang="nl-NL" dirty="0"/>
+            </a:br>
+            <a:endParaRPr lang="nl-NL" dirty="0"/>
+          </a:p>
+        </p:txBody>
+      </p:sp>
+      <p:sp>
+        <p:nvSpPr>
+          <p:cNvPr id="3" name="Content Placeholder 2">
+            <a:extLst>
+              <a:ext uri="{FF2B5EF4-FFF2-40B4-BE49-F238E27FC236}">
+                <a16:creationId xmlns:a16="http://schemas.microsoft.com/office/drawing/2014/main" id="{A8E398D9-DB90-EE1A-6C12-2817B3DC5808}"/>
+              </a:ext>
+            </a:extLst>
+          </p:cNvPr>
+          <p:cNvSpPr>
+            <a:spLocks noGrp="1"/>
+          </p:cNvSpPr>
+          <p:nvPr>
+            <p:ph idx="1"/>
+          </p:nvPr>
+        </p:nvSpPr>
+        <p:spPr>
+          <a:xfrm>
+            <a:off x="838200" y="1825625"/>
+            <a:ext cx="4458077" cy="4351338"/>
+          </a:xfrm>
+        </p:spPr>
+        <p:txBody>
+          <a:bodyPr/>
+          <a:lstStyle/>
+          <a:p>
+            <a:r>
+              <a:rPr lang="nl-NL" dirty="0"/>
+              <a:t>Toolkit voor je website</a:t>
+            </a:r>
+          </a:p>
+          <a:p>
+            <a:r>
+              <a:rPr lang="nl-NL" dirty="0"/>
+              <a:t>Styling</a:t>
+            </a:r>
+          </a:p>
+          <a:p>
+            <a:r>
+              <a:rPr lang="nl-NL" dirty="0" err="1"/>
+              <a:t>Icons</a:t>
+            </a:r>
+            <a:endParaRPr lang="nl-NL" dirty="0"/>
+          </a:p>
+          <a:p>
+            <a:r>
+              <a:rPr lang="nl-NL" dirty="0" err="1"/>
+              <a:t>Plugins</a:t>
+            </a:r>
+            <a:endParaRPr lang="nl-NL" dirty="0"/>
+          </a:p>
+          <a:p>
+            <a:r>
+              <a:rPr lang="nl-NL" dirty="0"/>
+              <a:t>Componenten voor je UI</a:t>
+            </a:r>
+          </a:p>
+        </p:txBody>
+      </p:sp>
+      <p:pic>
+        <p:nvPicPr>
+          <p:cNvPr id="5" name="Picture 4">
+            <a:extLst>
+              <a:ext uri="{FF2B5EF4-FFF2-40B4-BE49-F238E27FC236}">
+                <a16:creationId xmlns:a16="http://schemas.microsoft.com/office/drawing/2014/main" id="{12809232-921D-DD7D-6A3A-27C43D06516E}"/>
+              </a:ext>
+            </a:extLst>
+          </p:cNvPr>
+          <p:cNvPicPr>
+            <a:picLocks noChangeAspect="1"/>
+          </p:cNvPicPr>
+          <p:nvPr/>
+        </p:nvPicPr>
+        <p:blipFill>
+          <a:blip r:embed="rId2"/>
+          <a:stretch>
+            <a:fillRect/>
+          </a:stretch>
+        </p:blipFill>
+        <p:spPr>
+          <a:xfrm>
+            <a:off x="5377431" y="1687513"/>
+            <a:ext cx="6814569" cy="3180583"/>
+          </a:xfrm>
+          <a:prstGeom prst="rect">
+            <a:avLst/>
+          </a:prstGeom>
+        </p:spPr>
+      </p:pic>
+    </p:spTree>
+    <p:extLst>
+      <p:ext uri="{BB962C8B-B14F-4D97-AF65-F5344CB8AC3E}">
+        <p14:creationId xmlns:p14="http://schemas.microsoft.com/office/powerpoint/2010/main" val="3213882017"/>
+      </p:ext>
+    </p:extLst>
+  </p:cSld>
+  <p:clrMapOvr>
+    <a:masterClrMapping/>
+  </p:clrMapOvr>
+</p:sld>
+</file>
+
+<file path=ppt/slides/slide4.xml><?xml version="1.0" encoding="utf-8"?>
+<p:sld xmlns:a="http://schemas.openxmlformats.org/drawingml/2006/main" xmlns:r="http://schemas.openxmlformats.org/officeDocument/2006/relationships" xmlns:p="http://schemas.openxmlformats.org/presentationml/2006/main">
+  <p:cSld>
+    <p:spTree>
+      <p:nvGrpSpPr>
+        <p:cNvPr id="1" name=""/>
+        <p:cNvGrpSpPr/>
+        <p:nvPr/>
+      </p:nvGrpSpPr>
+      <p:grpSpPr>
+        <a:xfrm>
+          <a:off x="0" y="0"/>
+          <a:ext cx="0" cy="0"/>
+          <a:chOff x="0" y="0"/>
+          <a:chExt cx="0" cy="0"/>
+        </a:xfrm>
+      </p:grpSpPr>
+      <p:sp>
+        <p:nvSpPr>
+          <p:cNvPr id="2" name="Title 1">
+            <a:extLst>
+              <a:ext uri="{FF2B5EF4-FFF2-40B4-BE49-F238E27FC236}">
+                <a16:creationId xmlns:a16="http://schemas.microsoft.com/office/drawing/2014/main" id="{BAE6D6CB-2DC7-8352-60DA-35EC29AEF5FE}"/>
+              </a:ext>
+            </a:extLst>
+          </p:cNvPr>
+          <p:cNvSpPr>
+            <a:spLocks noGrp="1"/>
+          </p:cNvSpPr>
+          <p:nvPr>
+            <p:ph type="title"/>
+          </p:nvPr>
+        </p:nvSpPr>
+        <p:spPr/>
+        <p:txBody>
+          <a:bodyPr>
+            <a:normAutofit/>
+          </a:bodyPr>
+          <a:lstStyle/>
+          <a:p>
+            <a:r>
+              <a:rPr lang="nl-NL" dirty="0"/>
+              <a:t>Structuur</a:t>
+            </a:r>
+          </a:p>
+        </p:txBody>
+      </p:sp>
+      <p:sp>
+        <p:nvSpPr>
+          <p:cNvPr id="3" name="Content Placeholder 2">
+            <a:extLst>
+              <a:ext uri="{FF2B5EF4-FFF2-40B4-BE49-F238E27FC236}">
+                <a16:creationId xmlns:a16="http://schemas.microsoft.com/office/drawing/2014/main" id="{05011CCB-3AFB-CD11-528F-D68CF1C187F1}"/>
+              </a:ext>
+            </a:extLst>
+          </p:cNvPr>
+          <p:cNvSpPr>
+            <a:spLocks noGrp="1"/>
+          </p:cNvSpPr>
+          <p:nvPr>
+            <p:ph idx="1"/>
+          </p:nvPr>
+        </p:nvSpPr>
+        <p:spPr/>
+        <p:txBody>
+          <a:bodyPr/>
+          <a:lstStyle/>
+          <a:p>
+            <a:r>
+              <a:rPr lang="nl-NL" dirty="0"/>
+              <a:t>Hoe structureer je je project</a:t>
+            </a:r>
+          </a:p>
+          <a:p>
+            <a:r>
+              <a:rPr lang="nl-NL" dirty="0"/>
+              <a:t>Public folder</a:t>
+            </a:r>
+          </a:p>
+          <a:p>
+            <a:r>
+              <a:rPr lang="nl-NL" dirty="0"/>
+              <a:t>Source folder</a:t>
+            </a:r>
+          </a:p>
+          <a:p>
+            <a:r>
+              <a:rPr lang="nl-NL" dirty="0"/>
+              <a:t>Functions</a:t>
+            </a:r>
+          </a:p>
+        </p:txBody>
+      </p:sp>
+    </p:spTree>
+    <p:extLst>
+      <p:ext uri="{BB962C8B-B14F-4D97-AF65-F5344CB8AC3E}">
+        <p14:creationId xmlns:p14="http://schemas.microsoft.com/office/powerpoint/2010/main" val="2280464665"/>
+      </p:ext>
+    </p:extLst>
+  </p:cSld>
+  <p:clrMapOvr>
+    <a:masterClrMapping/>
+  </p:clrMapOvr>
+</p:sld>
+</file>
+
+<file path=ppt/slides/slide5.xml><?xml version="1.0" encoding="utf-8"?>
+<p:sld xmlns:a="http://schemas.openxmlformats.org/drawingml/2006/main" xmlns:r="http://schemas.openxmlformats.org/officeDocument/2006/relationships" xmlns:p="http://schemas.openxmlformats.org/presentationml/2006/main">
+  <p:cSld>
+    <p:spTree>
+      <p:nvGrpSpPr>
+        <p:cNvPr id="1" name="">
+          <a:extLst>
+            <a:ext uri="{FF2B5EF4-FFF2-40B4-BE49-F238E27FC236}">
+              <a16:creationId xmlns:a16="http://schemas.microsoft.com/office/drawing/2014/main" id="{173A385D-8A0F-A22C-492B-495132299C81}"/>
+            </a:ext>
+          </a:extLst>
+        </p:cNvPr>
+        <p:cNvGrpSpPr/>
+        <p:nvPr/>
+      </p:nvGrpSpPr>
+      <p:grpSpPr>
+        <a:xfrm>
+          <a:off x="0" y="0"/>
+          <a:ext cx="0" cy="0"/>
+          <a:chOff x="0" y="0"/>
+          <a:chExt cx="0" cy="0"/>
+        </a:xfrm>
+      </p:grpSpPr>
+      <p:sp>
+        <p:nvSpPr>
+          <p:cNvPr id="2" name="Title 1">
+            <a:extLst>
+              <a:ext uri="{FF2B5EF4-FFF2-40B4-BE49-F238E27FC236}">
+                <a16:creationId xmlns:a16="http://schemas.microsoft.com/office/drawing/2014/main" id="{CA8DA479-B7A6-DB1A-6B8A-9B8081B02345}"/>
+              </a:ext>
+            </a:extLst>
+          </p:cNvPr>
+          <p:cNvSpPr>
+            <a:spLocks noGrp="1"/>
+          </p:cNvSpPr>
+          <p:nvPr>
+            <p:ph type="title"/>
+          </p:nvPr>
+        </p:nvSpPr>
+        <p:spPr/>
+        <p:txBody>
+          <a:bodyPr>
+            <a:normAutofit/>
+          </a:bodyPr>
+          <a:lstStyle/>
+          <a:p>
+            <a:r>
+              <a:rPr lang="nl-NL" dirty="0"/>
+              <a:t>PHP afsluiten</a:t>
+            </a:r>
+          </a:p>
+        </p:txBody>
+      </p:sp>
+      <p:sp>
+        <p:nvSpPr>
+          <p:cNvPr id="3" name="Content Placeholder 2">
+            <a:extLst>
+              <a:ext uri="{FF2B5EF4-FFF2-40B4-BE49-F238E27FC236}">
+                <a16:creationId xmlns:a16="http://schemas.microsoft.com/office/drawing/2014/main" id="{AF5BCC5D-1878-807A-5010-046DE229718B}"/>
+              </a:ext>
+            </a:extLst>
+          </p:cNvPr>
+          <p:cNvSpPr>
+            <a:spLocks noGrp="1"/>
+          </p:cNvSpPr>
+          <p:nvPr>
+            <p:ph idx="1"/>
+          </p:nvPr>
+        </p:nvSpPr>
+        <p:spPr/>
+        <p:txBody>
+          <a:bodyPr/>
+          <a:lstStyle/>
+          <a:p>
+            <a:r>
+              <a:rPr lang="nl-NL" dirty="0"/>
+              <a:t>In of buiten de html?</a:t>
+            </a:r>
+          </a:p>
+          <a:p>
+            <a:pPr lvl="1"/>
+            <a:r>
+              <a:rPr lang="nl-NL" dirty="0"/>
+              <a:t>API</a:t>
+            </a:r>
+          </a:p>
+          <a:p>
+            <a:pPr lvl="1"/>
+            <a:r>
+              <a:rPr lang="nl-NL" dirty="0"/>
+              <a:t>View</a:t>
+            </a:r>
+          </a:p>
+          <a:p>
+            <a:pPr lvl="1"/>
+            <a:r>
+              <a:rPr lang="nl-NL" dirty="0"/>
+              <a:t>Body</a:t>
+            </a:r>
+          </a:p>
+        </p:txBody>
+      </p:sp>
+      <p:pic>
+        <p:nvPicPr>
+          <p:cNvPr id="5" name="Picture 4">
+            <a:extLst>
+              <a:ext uri="{FF2B5EF4-FFF2-40B4-BE49-F238E27FC236}">
+                <a16:creationId xmlns:a16="http://schemas.microsoft.com/office/drawing/2014/main" id="{F88DC8C3-85B9-4D26-1552-4217D160CB86}"/>
+              </a:ext>
+            </a:extLst>
+          </p:cNvPr>
+          <p:cNvPicPr>
+            <a:picLocks noChangeAspect="1"/>
+          </p:cNvPicPr>
+          <p:nvPr/>
+        </p:nvPicPr>
+        <p:blipFill>
+          <a:blip r:embed="rId2"/>
+          <a:stretch>
+            <a:fillRect/>
+          </a:stretch>
+        </p:blipFill>
+        <p:spPr>
+          <a:xfrm>
+            <a:off x="-298244" y="3651681"/>
+            <a:ext cx="7362605" cy="2161627"/>
+          </a:xfrm>
+          <a:prstGeom prst="rect">
+            <a:avLst/>
+          </a:prstGeom>
+        </p:spPr>
+      </p:pic>
+      <p:pic>
+        <p:nvPicPr>
+          <p:cNvPr id="7" name="Picture 6">
+            <a:extLst>
+              <a:ext uri="{FF2B5EF4-FFF2-40B4-BE49-F238E27FC236}">
+                <a16:creationId xmlns:a16="http://schemas.microsoft.com/office/drawing/2014/main" id="{64F70A36-CCC1-D3DB-F84F-2C336CF859C9}"/>
+              </a:ext>
+            </a:extLst>
+          </p:cNvPr>
+          <p:cNvPicPr>
+            <a:picLocks noChangeAspect="1"/>
+          </p:cNvPicPr>
+          <p:nvPr/>
+        </p:nvPicPr>
+        <p:blipFill>
+          <a:blip r:embed="rId3"/>
+          <a:stretch>
+            <a:fillRect/>
+          </a:stretch>
+        </p:blipFill>
+        <p:spPr>
+          <a:xfrm>
+            <a:off x="6582058" y="3111038"/>
+            <a:ext cx="6326949" cy="2702270"/>
+          </a:xfrm>
+          <a:prstGeom prst="rect">
+            <a:avLst/>
+          </a:prstGeom>
+        </p:spPr>
+      </p:pic>
+    </p:spTree>
+    <p:extLst>
+      <p:ext uri="{BB962C8B-B14F-4D97-AF65-F5344CB8AC3E}">
+        <p14:creationId xmlns:p14="http://schemas.microsoft.com/office/powerpoint/2010/main" val="2023169900"/>
+      </p:ext>
+    </p:extLst>
+  </p:cSld>
+  <p:clrMapOvr>
+    <a:masterClrMapping/>
+  </p:clrMapOvr>
+</p:sld>
+</file>
+
+<file path=ppt/slides/slide6.xml><?xml version="1.0" encoding="utf-8"?>
+<p:sld xmlns:a="http://schemas.openxmlformats.org/drawingml/2006/main" xmlns:r="http://schemas.openxmlformats.org/officeDocument/2006/relationships" xmlns:p="http://schemas.openxmlformats.org/presentationml/2006/main">
+  <p:cSld>
+    <p:spTree>
+      <p:nvGrpSpPr>
+        <p:cNvPr id="1" name="">
+          <a:extLst>
+            <a:ext uri="{FF2B5EF4-FFF2-40B4-BE49-F238E27FC236}">
+              <a16:creationId xmlns:a16="http://schemas.microsoft.com/office/drawing/2014/main" id="{283F1383-6C0C-BD71-1D02-FAF1E8AC384F}"/>
+            </a:ext>
+          </a:extLst>
+        </p:cNvPr>
+        <p:cNvGrpSpPr/>
+        <p:nvPr/>
+      </p:nvGrpSpPr>
+      <p:grpSpPr>
+        <a:xfrm>
+          <a:off x="0" y="0"/>
+          <a:ext cx="0" cy="0"/>
+          <a:chOff x="0" y="0"/>
+          <a:chExt cx="0" cy="0"/>
+        </a:xfrm>
+      </p:grpSpPr>
+      <p:sp>
+        <p:nvSpPr>
+          <p:cNvPr id="2" name="Title 1">
+            <a:extLst>
+              <a:ext uri="{FF2B5EF4-FFF2-40B4-BE49-F238E27FC236}">
+                <a16:creationId xmlns:a16="http://schemas.microsoft.com/office/drawing/2014/main" id="{DF6A2C08-20A9-A265-8302-CBCE4D01C41D}"/>
+              </a:ext>
+            </a:extLst>
+          </p:cNvPr>
+          <p:cNvSpPr>
+            <a:spLocks noGrp="1"/>
+          </p:cNvSpPr>
+          <p:nvPr>
+            <p:ph type="title"/>
+          </p:nvPr>
+        </p:nvSpPr>
+        <p:spPr/>
+        <p:txBody>
+          <a:bodyPr>
+            <a:normAutofit/>
+          </a:bodyPr>
+          <a:lstStyle/>
+          <a:p>
+            <a:r>
+              <a:rPr lang="nl-NL" dirty="0"/>
+              <a:t>Onderdelen</a:t>
+            </a:r>
+          </a:p>
+        </p:txBody>
+      </p:sp>
+      <p:sp>
+        <p:nvSpPr>
+          <p:cNvPr id="3" name="Content Placeholder 2">
+            <a:extLst>
+              <a:ext uri="{FF2B5EF4-FFF2-40B4-BE49-F238E27FC236}">
+                <a16:creationId xmlns:a16="http://schemas.microsoft.com/office/drawing/2014/main" id="{F16DF147-FB70-9A6E-88F4-A747F6B1BCF1}"/>
+              </a:ext>
+            </a:extLst>
+          </p:cNvPr>
+          <p:cNvSpPr>
+            <a:spLocks noGrp="1"/>
+          </p:cNvSpPr>
+          <p:nvPr>
+            <p:ph idx="1"/>
+          </p:nvPr>
+        </p:nvSpPr>
+        <p:spPr/>
+        <p:txBody>
+          <a:bodyPr>
+            <a:normAutofit fontScale="92500" lnSpcReduction="20000"/>
+          </a:bodyPr>
+          <a:lstStyle/>
+          <a:p>
+            <a:r>
+              <a:rPr lang="nl-NL" dirty="0" err="1"/>
+              <a:t>DockBlocks</a:t>
+            </a:r>
+            <a:endParaRPr lang="nl-NL" dirty="0"/>
+          </a:p>
+          <a:p>
+            <a:pPr lvl="1"/>
+            <a:r>
+              <a:rPr lang="nl-NL" dirty="0"/>
+              <a:t>https://docs.phpdoc.org/3.0/guide/getting-started/what-is-a-docblock.html</a:t>
+            </a:r>
+          </a:p>
+          <a:p>
+            <a:r>
+              <a:rPr lang="nl-NL" dirty="0"/>
+              <a:t>Folder indeling</a:t>
+            </a:r>
+          </a:p>
+          <a:p>
+            <a:pPr lvl="1"/>
+            <a:r>
+              <a:rPr lang="nl-NL" dirty="0"/>
+              <a:t>Organiseer je code</a:t>
+            </a:r>
+          </a:p>
+          <a:p>
+            <a:r>
+              <a:rPr lang="nl-NL" dirty="0"/>
+              <a:t>Publieke folder</a:t>
+            </a:r>
+          </a:p>
+          <a:p>
+            <a:pPr lvl="1"/>
+            <a:r>
+              <a:rPr lang="nl-NL" dirty="0"/>
+              <a:t>Toegang vanuit het web</a:t>
+            </a:r>
+          </a:p>
+          <a:p>
+            <a:pPr lvl="1"/>
+            <a:r>
+              <a:rPr lang="nl-NL" dirty="0"/>
+              <a:t>Kwetsbaar</a:t>
+            </a:r>
+          </a:p>
+          <a:p>
+            <a:r>
+              <a:rPr lang="nl-NL" dirty="0"/>
+              <a:t>Functions / Classes / Views</a:t>
+            </a:r>
+          </a:p>
+          <a:p>
+            <a:pPr lvl="1"/>
+            <a:r>
+              <a:rPr lang="nl-NL" dirty="0"/>
+              <a:t>Code indeling</a:t>
+            </a:r>
+          </a:p>
+          <a:p>
+            <a:pPr lvl="1"/>
+            <a:r>
+              <a:rPr lang="nl-NL" dirty="0"/>
+              <a:t>Herbruikbaarheid</a:t>
+            </a:r>
+          </a:p>
+          <a:p>
+            <a:r>
+              <a:rPr lang="nl-NL" dirty="0" err="1"/>
+              <a:t>Config</a:t>
+            </a:r>
+            <a:endParaRPr lang="nl-NL" dirty="0"/>
+          </a:p>
+          <a:p>
+            <a:pPr lvl="1"/>
+            <a:r>
+              <a:rPr lang="nl-NL" dirty="0"/>
+              <a:t>Los, niet in de code</a:t>
+            </a:r>
+          </a:p>
+        </p:txBody>
+      </p:sp>
+    </p:spTree>
+    <p:extLst>
+      <p:ext uri="{BB962C8B-B14F-4D97-AF65-F5344CB8AC3E}">
+        <p14:creationId xmlns:p14="http://schemas.microsoft.com/office/powerpoint/2010/main" val="2035637063"/>
+      </p:ext>
+    </p:extLst>
+  </p:cSld>
+  <p:clrMapOvr>
+    <a:masterClrMapping/>
+  </p:clrMapOvr>
+</p:sld>
+</file>
+
+<file path=ppt/slides/slide7.xml><?xml version="1.0" encoding="utf-8"?>
+<p:sld xmlns:a="http://schemas.openxmlformats.org/drawingml/2006/main" xmlns:r="http://schemas.openxmlformats.org/officeDocument/2006/relationships" xmlns:p="http://schemas.openxmlformats.org/presentationml/2006/main">
+  <p:cSld>
+    <p:spTree>
+      <p:nvGrpSpPr>
+        <p:cNvPr id="1" name="">
+          <a:extLst>
+            <a:ext uri="{FF2B5EF4-FFF2-40B4-BE49-F238E27FC236}">
+              <a16:creationId xmlns:a16="http://schemas.microsoft.com/office/drawing/2014/main" id="{0C82E456-B496-6DEF-BD6D-25FE071C58B0}"/>
+            </a:ext>
+          </a:extLst>
+        </p:cNvPr>
+        <p:cNvGrpSpPr/>
+        <p:nvPr/>
+      </p:nvGrpSpPr>
+      <p:grpSpPr>
+        <a:xfrm>
+          <a:off x="0" y="0"/>
+          <a:ext cx="0" cy="0"/>
+          <a:chOff x="0" y="0"/>
+          <a:chExt cx="0" cy="0"/>
+        </a:xfrm>
+      </p:grpSpPr>
+      <p:sp>
+        <p:nvSpPr>
+          <p:cNvPr id="2" name="Title 1">
+            <a:extLst>
+              <a:ext uri="{FF2B5EF4-FFF2-40B4-BE49-F238E27FC236}">
+                <a16:creationId xmlns:a16="http://schemas.microsoft.com/office/drawing/2014/main" id="{2B8F3DA9-6B93-AA73-170F-E1F570306142}"/>
+              </a:ext>
+            </a:extLst>
+          </p:cNvPr>
+          <p:cNvSpPr>
+            <a:spLocks noGrp="1"/>
+          </p:cNvSpPr>
+          <p:nvPr>
+            <p:ph type="title"/>
+          </p:nvPr>
+        </p:nvSpPr>
+        <p:spPr/>
+        <p:txBody>
+          <a:bodyPr>
+            <a:normAutofit/>
+          </a:bodyPr>
+          <a:lstStyle/>
+          <a:p>
+            <a:r>
+              <a:rPr lang="nl-NL" dirty="0" err="1"/>
+              <a:t>DockBlocks</a:t>
+            </a:r>
+            <a:endParaRPr lang="nl-NL" dirty="0"/>
+          </a:p>
+        </p:txBody>
+      </p:sp>
+      <p:sp>
+        <p:nvSpPr>
+          <p:cNvPr id="3" name="Content Placeholder 2">
+            <a:extLst>
+              <a:ext uri="{FF2B5EF4-FFF2-40B4-BE49-F238E27FC236}">
+                <a16:creationId xmlns:a16="http://schemas.microsoft.com/office/drawing/2014/main" id="{CABF842D-CBB1-E508-00F2-E8B8215408AE}"/>
+              </a:ext>
+            </a:extLst>
+          </p:cNvPr>
+          <p:cNvSpPr>
+            <a:spLocks noGrp="1"/>
+          </p:cNvSpPr>
+          <p:nvPr>
+            <p:ph idx="1"/>
+          </p:nvPr>
+        </p:nvSpPr>
+        <p:spPr>
+          <a:xfrm>
+            <a:off x="838200" y="1825625"/>
+            <a:ext cx="4693467" cy="4351338"/>
+          </a:xfrm>
+        </p:spPr>
+        <p:txBody>
+          <a:bodyPr>
+            <a:normAutofit/>
+          </a:bodyPr>
+          <a:lstStyle/>
+          <a:p>
+            <a:r>
+              <a:rPr lang="nl-NL" dirty="0"/>
+              <a:t>Genereer je documentatie</a:t>
+            </a:r>
+          </a:p>
+          <a:p>
+            <a:endParaRPr lang="nl-NL" dirty="0"/>
+          </a:p>
+          <a:p>
+            <a:r>
+              <a:rPr lang="nl-NL" dirty="0"/>
+              <a:t>Als je publieke code maakt</a:t>
+            </a:r>
+          </a:p>
+          <a:p>
+            <a:pPr lvl="1"/>
+            <a:r>
+              <a:rPr lang="nl-NL" dirty="0"/>
+              <a:t>Libraries</a:t>
+            </a:r>
+          </a:p>
+          <a:p>
+            <a:pPr lvl="1"/>
+            <a:r>
+              <a:rPr lang="nl-NL" dirty="0"/>
+              <a:t>Zeker doen!</a:t>
+            </a:r>
+          </a:p>
+        </p:txBody>
+      </p:sp>
+      <p:pic>
+        <p:nvPicPr>
+          <p:cNvPr id="5" name="Picture 4">
+            <a:extLst>
+              <a:ext uri="{FF2B5EF4-FFF2-40B4-BE49-F238E27FC236}">
+                <a16:creationId xmlns:a16="http://schemas.microsoft.com/office/drawing/2014/main" id="{72BC626D-684F-3A85-06C8-2B1847ACDC49}"/>
+              </a:ext>
+            </a:extLst>
+          </p:cNvPr>
+          <p:cNvPicPr>
+            <a:picLocks noChangeAspect="1"/>
+          </p:cNvPicPr>
+          <p:nvPr/>
+        </p:nvPicPr>
+        <p:blipFill>
+          <a:blip r:embed="rId2"/>
+          <a:stretch>
+            <a:fillRect/>
+          </a:stretch>
+        </p:blipFill>
+        <p:spPr>
+          <a:xfrm>
+            <a:off x="5531667" y="1825625"/>
+            <a:ext cx="6589603" cy="3913622"/>
+          </a:xfrm>
+          <a:prstGeom prst="rect">
+            <a:avLst/>
+          </a:prstGeom>
+        </p:spPr>
+      </p:pic>
+    </p:spTree>
+    <p:extLst>
+      <p:ext uri="{BB962C8B-B14F-4D97-AF65-F5344CB8AC3E}">
+        <p14:creationId xmlns:p14="http://schemas.microsoft.com/office/powerpoint/2010/main" val="927791411"/>
+      </p:ext>
+    </p:extLst>
+  </p:cSld>
+  <p:clrMapOvr>
+    <a:masterClrMapping/>
+  </p:clrMapOvr>
+</p:sld>
+</file>
+
+<file path=ppt/slides/slide8.xml><?xml version="1.0" encoding="utf-8"?>
+<p:sld xmlns:a="http://schemas.openxmlformats.org/drawingml/2006/main" xmlns:r="http://schemas.openxmlformats.org/officeDocument/2006/relationships" xmlns:p="http://schemas.openxmlformats.org/presentationml/2006/main">
+  <p:cSld>
+    <p:spTree>
+      <p:nvGrpSpPr>
+        <p:cNvPr id="1" name="">
+          <a:extLst>
+            <a:ext uri="{FF2B5EF4-FFF2-40B4-BE49-F238E27FC236}">
+              <a16:creationId xmlns:a16="http://schemas.microsoft.com/office/drawing/2014/main" id="{8F2180F6-5858-951E-79AD-196E78E68BD8}"/>
+            </a:ext>
+          </a:extLst>
+        </p:cNvPr>
+        <p:cNvGrpSpPr/>
+        <p:nvPr/>
+      </p:nvGrpSpPr>
+      <p:grpSpPr>
+        <a:xfrm>
+          <a:off x="0" y="0"/>
+          <a:ext cx="0" cy="0"/>
+          <a:chOff x="0" y="0"/>
+          <a:chExt cx="0" cy="0"/>
+        </a:xfrm>
+      </p:grpSpPr>
+      <p:sp>
+        <p:nvSpPr>
+          <p:cNvPr id="2" name="Title 1">
+            <a:extLst>
+              <a:ext uri="{FF2B5EF4-FFF2-40B4-BE49-F238E27FC236}">
+                <a16:creationId xmlns:a16="http://schemas.microsoft.com/office/drawing/2014/main" id="{2B70A6F6-8FBD-325D-FAD1-617339C6791E}"/>
+              </a:ext>
+            </a:extLst>
+          </p:cNvPr>
+          <p:cNvSpPr>
+            <a:spLocks noGrp="1"/>
+          </p:cNvSpPr>
+          <p:nvPr>
+            <p:ph type="title"/>
+          </p:nvPr>
+        </p:nvSpPr>
+        <p:spPr/>
+        <p:txBody>
+          <a:bodyPr>
+            <a:normAutofit/>
+          </a:bodyPr>
+          <a:lstStyle/>
+          <a:p>
+            <a:r>
+              <a:rPr lang="nl-NL" dirty="0"/>
+              <a:t>Public VS server side</a:t>
+            </a:r>
+          </a:p>
+        </p:txBody>
+      </p:sp>
+      <p:sp>
+        <p:nvSpPr>
+          <p:cNvPr id="3" name="Content Placeholder 2">
+            <a:extLst>
+              <a:ext uri="{FF2B5EF4-FFF2-40B4-BE49-F238E27FC236}">
+                <a16:creationId xmlns:a16="http://schemas.microsoft.com/office/drawing/2014/main" id="{E2ACD22B-D370-E495-1317-9423FE94D589}"/>
+              </a:ext>
+            </a:extLst>
+          </p:cNvPr>
+          <p:cNvSpPr>
+            <a:spLocks noGrp="1"/>
+          </p:cNvSpPr>
+          <p:nvPr>
+            <p:ph idx="1"/>
+          </p:nvPr>
+        </p:nvSpPr>
+        <p:spPr/>
+        <p:txBody>
+          <a:bodyPr>
+            <a:normAutofit/>
+          </a:bodyPr>
+          <a:lstStyle/>
+          <a:p>
+            <a:r>
+              <a:rPr lang="nl-NL" dirty="0"/>
+              <a:t>Public staat in je server side map van je applicatie</a:t>
+            </a:r>
+          </a:p>
+          <a:p>
+            <a:r>
+              <a:rPr lang="nl-NL" dirty="0"/>
+              <a:t>Alle:</a:t>
+            </a:r>
+          </a:p>
+          <a:p>
+            <a:pPr lvl="1"/>
+            <a:r>
+              <a:rPr lang="nl-NL" dirty="0"/>
+              <a:t>Images</a:t>
+            </a:r>
+          </a:p>
+          <a:p>
+            <a:pPr lvl="1"/>
+            <a:r>
+              <a:rPr lang="nl-NL" dirty="0" err="1"/>
+              <a:t>Css</a:t>
+            </a:r>
+            <a:endParaRPr lang="nl-NL" dirty="0"/>
+          </a:p>
+          <a:p>
+            <a:pPr lvl="1"/>
+            <a:r>
+              <a:rPr lang="nl-NL" dirty="0" err="1"/>
+              <a:t>Js</a:t>
+            </a:r>
+            <a:endParaRPr lang="nl-NL" dirty="0"/>
+          </a:p>
+          <a:p>
+            <a:pPr lvl="1"/>
+            <a:r>
+              <a:rPr lang="nl-NL" dirty="0"/>
+              <a:t>Publieke </a:t>
+            </a:r>
+            <a:r>
+              <a:rPr lang="nl-NL" dirty="0" err="1"/>
+              <a:t>php</a:t>
+            </a:r>
+            <a:r>
+              <a:rPr lang="nl-NL" dirty="0"/>
+              <a:t> </a:t>
+            </a:r>
+          </a:p>
+          <a:p>
+            <a:pPr lvl="2"/>
+            <a:r>
+              <a:rPr lang="nl-NL" dirty="0"/>
+              <a:t>website</a:t>
+            </a:r>
+          </a:p>
+        </p:txBody>
+      </p:sp>
+      <p:pic>
+        <p:nvPicPr>
+          <p:cNvPr id="4" name="Picture 3">
+            <a:extLst>
+              <a:ext uri="{FF2B5EF4-FFF2-40B4-BE49-F238E27FC236}">
+                <a16:creationId xmlns:a16="http://schemas.microsoft.com/office/drawing/2014/main" id="{C81F5915-39EF-EF18-6640-29909BCE7915}"/>
+              </a:ext>
+            </a:extLst>
+          </p:cNvPr>
+          <p:cNvPicPr>
+            <a:picLocks noChangeAspect="1"/>
+          </p:cNvPicPr>
+          <p:nvPr/>
+        </p:nvPicPr>
+        <p:blipFill>
+          <a:blip r:embed="rId2"/>
+          <a:stretch>
+            <a:fillRect/>
+          </a:stretch>
+        </p:blipFill>
+        <p:spPr>
+          <a:xfrm>
+            <a:off x="6925901" y="2631626"/>
+            <a:ext cx="4966645" cy="2739335"/>
+          </a:xfrm>
+          <a:prstGeom prst="rect">
+            <a:avLst/>
+          </a:prstGeom>
+        </p:spPr>
+      </p:pic>
+    </p:spTree>
+    <p:extLst>
+      <p:ext uri="{BB962C8B-B14F-4D97-AF65-F5344CB8AC3E}">
+        <p14:creationId xmlns:p14="http://schemas.microsoft.com/office/powerpoint/2010/main" val="274033116"/>
+      </p:ext>
+    </p:extLst>
+  </p:cSld>
+  <p:clrMapOvr>
+    <a:masterClrMapping/>
+  </p:clrMapOvr>
+</p:sld>
+</file>
+
+<file path=ppt/slides/slide9.xml><?xml version="1.0" encoding="utf-8"?>
+<p:sld xmlns:a="http://schemas.openxmlformats.org/drawingml/2006/main" xmlns:r="http://schemas.openxmlformats.org/officeDocument/2006/relationships" xmlns:p="http://schemas.openxmlformats.org/presentationml/2006/main">
+  <p:cSld>
+    <p:spTree>
+      <p:nvGrpSpPr>
+        <p:cNvPr id="1" name="">
+          <a:extLst>
+            <a:ext uri="{FF2B5EF4-FFF2-40B4-BE49-F238E27FC236}">
+              <a16:creationId xmlns:a16="http://schemas.microsoft.com/office/drawing/2014/main" id="{27DB4929-37CE-FB1B-E1C6-8F7E9EF51587}"/>
+            </a:ext>
+          </a:extLst>
+        </p:cNvPr>
+        <p:cNvGrpSpPr/>
+        <p:nvPr/>
+      </p:nvGrpSpPr>
+      <p:grpSpPr>
+        <a:xfrm>
+          <a:off x="0" y="0"/>
+          <a:ext cx="0" cy="0"/>
+          <a:chOff x="0" y="0"/>
+          <a:chExt cx="0" cy="0"/>
+        </a:xfrm>
+      </p:grpSpPr>
+      <p:sp>
+        <p:nvSpPr>
+          <p:cNvPr id="2" name="Title 1">
+            <a:extLst>
+              <a:ext uri="{FF2B5EF4-FFF2-40B4-BE49-F238E27FC236}">
+                <a16:creationId xmlns:a16="http://schemas.microsoft.com/office/drawing/2014/main" id="{C94039CF-5FB1-833D-7505-CC86C4C07D92}"/>
+              </a:ext>
+            </a:extLst>
+          </p:cNvPr>
+          <p:cNvSpPr>
+            <a:spLocks noGrp="1"/>
+          </p:cNvSpPr>
+          <p:nvPr>
+            <p:ph type="title"/>
+          </p:nvPr>
+        </p:nvSpPr>
+        <p:spPr/>
+        <p:txBody>
+          <a:bodyPr>
+            <a:normAutofit/>
+          </a:bodyPr>
+          <a:lstStyle/>
+          <a:p>
+            <a:r>
+              <a:rPr lang="nl-NL" dirty="0"/>
+              <a:t>Public VS server side</a:t>
+            </a:r>
+          </a:p>
+        </p:txBody>
+      </p:sp>
+      <p:sp>
+        <p:nvSpPr>
+          <p:cNvPr id="3" name="Content Placeholder 2">
+            <a:extLst>
+              <a:ext uri="{FF2B5EF4-FFF2-40B4-BE49-F238E27FC236}">
+                <a16:creationId xmlns:a16="http://schemas.microsoft.com/office/drawing/2014/main" id="{EB6ACB4F-372E-6381-31BB-1CC5A2948075}"/>
+              </a:ext>
+            </a:extLst>
+          </p:cNvPr>
+          <p:cNvSpPr>
+            <a:spLocks noGrp="1"/>
+          </p:cNvSpPr>
+          <p:nvPr>
+            <p:ph idx="1"/>
+          </p:nvPr>
+        </p:nvSpPr>
+        <p:spPr>
+          <a:xfrm>
+            <a:off x="838200" y="1825625"/>
+            <a:ext cx="6821032" cy="4351338"/>
+          </a:xfrm>
+        </p:spPr>
+        <p:txBody>
+          <a:bodyPr>
+            <a:normAutofit/>
+          </a:bodyPr>
+          <a:lstStyle/>
+          <a:p>
+            <a:r>
+              <a:rPr lang="nl-NL" dirty="0"/>
+              <a:t>In de server side map staat:</a:t>
+            </a:r>
+          </a:p>
+          <a:p>
+            <a:pPr lvl="1"/>
+            <a:r>
+              <a:rPr lang="nl-NL" dirty="0"/>
+              <a:t>Extra source (die niet tot een pagina </a:t>
+            </a:r>
+            <a:r>
+              <a:rPr lang="nl-NL" dirty="0" err="1"/>
+              <a:t>rendered</a:t>
+            </a:r>
+            <a:r>
+              <a:rPr lang="nl-NL" dirty="0"/>
+              <a:t>)</a:t>
+            </a:r>
+          </a:p>
+          <a:p>
+            <a:pPr lvl="2"/>
+            <a:r>
+              <a:rPr lang="nl-NL" dirty="0"/>
+              <a:t>Libraries</a:t>
+            </a:r>
+          </a:p>
+          <a:p>
+            <a:pPr lvl="2"/>
+            <a:r>
+              <a:rPr lang="nl-NL" dirty="0"/>
+              <a:t>Database code</a:t>
+            </a:r>
+          </a:p>
+          <a:p>
+            <a:pPr lvl="2"/>
+            <a:r>
+              <a:rPr lang="nl-NL" dirty="0" err="1"/>
+              <a:t>Models</a:t>
+            </a:r>
+            <a:endParaRPr lang="nl-NL" dirty="0"/>
+          </a:p>
+          <a:p>
+            <a:pPr lvl="2"/>
+            <a:r>
+              <a:rPr lang="nl-NL" dirty="0" err="1"/>
+              <a:t>Etc</a:t>
+            </a:r>
+            <a:endParaRPr lang="nl-NL" dirty="0"/>
+          </a:p>
+          <a:p>
+            <a:pPr lvl="1"/>
+            <a:r>
+              <a:rPr lang="nl-NL" dirty="0"/>
+              <a:t>configuratie</a:t>
+            </a:r>
+          </a:p>
+          <a:p>
+            <a:pPr lvl="1"/>
+            <a:r>
+              <a:rPr lang="nl-NL" dirty="0"/>
+              <a:t>Alles wat:</a:t>
+            </a:r>
+          </a:p>
+          <a:p>
+            <a:pPr lvl="2"/>
+            <a:r>
+              <a:rPr lang="nl-NL" dirty="0"/>
+              <a:t>WEL nodig is </a:t>
+            </a:r>
+          </a:p>
+          <a:p>
+            <a:pPr lvl="2"/>
+            <a:r>
+              <a:rPr lang="nl-NL" dirty="0"/>
+              <a:t>MAAR niet direct via het web benaderd mag worden</a:t>
+            </a:r>
+          </a:p>
+        </p:txBody>
+      </p:sp>
+      <p:pic>
+        <p:nvPicPr>
+          <p:cNvPr id="4" name="Picture 3">
+            <a:extLst>
+              <a:ext uri="{FF2B5EF4-FFF2-40B4-BE49-F238E27FC236}">
+                <a16:creationId xmlns:a16="http://schemas.microsoft.com/office/drawing/2014/main" id="{8AC50CEE-C844-9FF5-2E1A-A6CECD266F9A}"/>
+              </a:ext>
+            </a:extLst>
+          </p:cNvPr>
+          <p:cNvPicPr>
+            <a:picLocks noChangeAspect="1"/>
+          </p:cNvPicPr>
+          <p:nvPr/>
+        </p:nvPicPr>
+        <p:blipFill>
+          <a:blip r:embed="rId2"/>
+          <a:stretch>
+            <a:fillRect/>
+          </a:stretch>
+        </p:blipFill>
+        <p:spPr>
+          <a:xfrm>
+            <a:off x="7949352" y="0"/>
+            <a:ext cx="4119014" cy="6858000"/>
+          </a:xfrm>
+          <a:prstGeom prst="rect">
+            <a:avLst/>
+          </a:prstGeom>
+        </p:spPr>
+      </p:pic>
+    </p:spTree>
+    <p:extLst>
+      <p:ext uri="{BB962C8B-B14F-4D97-AF65-F5344CB8AC3E}">
+        <p14:creationId xmlns:p14="http://schemas.microsoft.com/office/powerpoint/2010/main" val="1942821523"/>
       </p:ext>
     </p:extLst>
   </p:cSld>
